--- a/Class 5.pptx
+++ b/Class 5.pptx
@@ -7,29 +7,33 @@
   <p:sldIdLst>
     <p:sldId id="311" r:id="rId2"/>
     <p:sldId id="347" r:id="rId3"/>
-    <p:sldId id="333" r:id="rId4"/>
-    <p:sldId id="340" r:id="rId5"/>
-    <p:sldId id="317" r:id="rId6"/>
-    <p:sldId id="338" r:id="rId7"/>
-    <p:sldId id="336" r:id="rId8"/>
-    <p:sldId id="330" r:id="rId9"/>
-    <p:sldId id="339" r:id="rId10"/>
-    <p:sldId id="316" r:id="rId11"/>
-    <p:sldId id="334" r:id="rId12"/>
-    <p:sldId id="331" r:id="rId13"/>
-    <p:sldId id="323" r:id="rId14"/>
-    <p:sldId id="329" r:id="rId15"/>
-    <p:sldId id="332" r:id="rId16"/>
-    <p:sldId id="342" r:id="rId17"/>
-    <p:sldId id="343" r:id="rId18"/>
-    <p:sldId id="312" r:id="rId19"/>
-    <p:sldId id="313" r:id="rId20"/>
-    <p:sldId id="314" r:id="rId21"/>
-    <p:sldId id="315" r:id="rId22"/>
-    <p:sldId id="335" r:id="rId23"/>
-    <p:sldId id="344" r:id="rId24"/>
-    <p:sldId id="345" r:id="rId25"/>
-    <p:sldId id="346" r:id="rId26"/>
+    <p:sldId id="348" r:id="rId4"/>
+    <p:sldId id="349" r:id="rId5"/>
+    <p:sldId id="350" r:id="rId6"/>
+    <p:sldId id="351" r:id="rId7"/>
+    <p:sldId id="333" r:id="rId8"/>
+    <p:sldId id="340" r:id="rId9"/>
+    <p:sldId id="317" r:id="rId10"/>
+    <p:sldId id="338" r:id="rId11"/>
+    <p:sldId id="336" r:id="rId12"/>
+    <p:sldId id="330" r:id="rId13"/>
+    <p:sldId id="339" r:id="rId14"/>
+    <p:sldId id="316" r:id="rId15"/>
+    <p:sldId id="334" r:id="rId16"/>
+    <p:sldId id="331" r:id="rId17"/>
+    <p:sldId id="323" r:id="rId18"/>
+    <p:sldId id="329" r:id="rId19"/>
+    <p:sldId id="332" r:id="rId20"/>
+    <p:sldId id="342" r:id="rId21"/>
+    <p:sldId id="343" r:id="rId22"/>
+    <p:sldId id="312" r:id="rId23"/>
+    <p:sldId id="313" r:id="rId24"/>
+    <p:sldId id="314" r:id="rId25"/>
+    <p:sldId id="315" r:id="rId26"/>
+    <p:sldId id="335" r:id="rId27"/>
+    <p:sldId id="344" r:id="rId28"/>
+    <p:sldId id="345" r:id="rId29"/>
+    <p:sldId id="346" r:id="rId30"/>
   </p:sldIdLst>
   <p:sldSz cx="12192000" cy="6858000"/>
   <p:notesSz cx="6858000" cy="9144000"/>
@@ -305,7 +309,7 @@
           <a:p>
             <a:fld id="{DB10E5C9-23B2-4A4E-92AB-29D98A655667}" type="datetimeFigureOut">
               <a:rPr lang="en-US" smtClean="0"/>
-              <a:t>9/4/18</a:t>
+              <a:t>9/10/18</a:t>
             </a:fld>
             <a:endParaRPr lang="en-US"/>
           </a:p>
@@ -635,7 +639,7 @@
           <a:p>
             <a:fld id="{DB10E5C9-23B2-4A4E-92AB-29D98A655667}" type="datetimeFigureOut">
               <a:rPr lang="en-US" smtClean="0"/>
-              <a:t>9/4/18</a:t>
+              <a:t>9/10/18</a:t>
             </a:fld>
             <a:endParaRPr lang="en-US"/>
           </a:p>
@@ -815,7 +819,7 @@
           <a:p>
             <a:fld id="{DB10E5C9-23B2-4A4E-92AB-29D98A655667}" type="datetimeFigureOut">
               <a:rPr lang="en-US" smtClean="0"/>
-              <a:t>9/4/18</a:t>
+              <a:t>9/10/18</a:t>
             </a:fld>
             <a:endParaRPr lang="en-US"/>
           </a:p>
@@ -985,7 +989,7 @@
           <a:p>
             <a:fld id="{DB10E5C9-23B2-4A4E-92AB-29D98A655667}" type="datetimeFigureOut">
               <a:rPr lang="en-US" smtClean="0"/>
-              <a:t>9/4/18</a:t>
+              <a:t>9/10/18</a:t>
             </a:fld>
             <a:endParaRPr lang="en-US"/>
           </a:p>
@@ -1262,7 +1266,7 @@
           <a:p>
             <a:fld id="{DB10E5C9-23B2-4A4E-92AB-29D98A655667}" type="datetimeFigureOut">
               <a:rPr lang="en-US" smtClean="0"/>
-              <a:t>9/4/18</a:t>
+              <a:t>9/10/18</a:t>
             </a:fld>
             <a:endParaRPr lang="en-US"/>
           </a:p>
@@ -1656,7 +1660,7 @@
           <a:p>
             <a:fld id="{DB10E5C9-23B2-4A4E-92AB-29D98A655667}" type="datetimeFigureOut">
               <a:rPr lang="en-US" smtClean="0"/>
-              <a:t>9/4/18</a:t>
+              <a:t>9/10/18</a:t>
             </a:fld>
             <a:endParaRPr lang="en-US"/>
           </a:p>
@@ -2133,7 +2137,7 @@
           <a:p>
             <a:fld id="{DB10E5C9-23B2-4A4E-92AB-29D98A655667}" type="datetimeFigureOut">
               <a:rPr lang="en-US" smtClean="0"/>
-              <a:t>9/4/18</a:t>
+              <a:t>9/10/18</a:t>
             </a:fld>
             <a:endParaRPr lang="en-US"/>
           </a:p>
@@ -2251,7 +2255,7 @@
           <a:p>
             <a:fld id="{DB10E5C9-23B2-4A4E-92AB-29D98A655667}" type="datetimeFigureOut">
               <a:rPr lang="en-US" smtClean="0"/>
-              <a:t>9/4/18</a:t>
+              <a:t>9/10/18</a:t>
             </a:fld>
             <a:endParaRPr lang="en-US"/>
           </a:p>
@@ -2346,7 +2350,7 @@
           <a:p>
             <a:fld id="{DB10E5C9-23B2-4A4E-92AB-29D98A655667}" type="datetimeFigureOut">
               <a:rPr lang="en-US" smtClean="0"/>
-              <a:t>9/4/18</a:t>
+              <a:t>9/10/18</a:t>
             </a:fld>
             <a:endParaRPr lang="en-US"/>
           </a:p>
@@ -2692,7 +2696,7 @@
           <a:p>
             <a:fld id="{DB10E5C9-23B2-4A4E-92AB-29D98A655667}" type="datetimeFigureOut">
               <a:rPr lang="en-US" smtClean="0"/>
-              <a:t>9/4/18</a:t>
+              <a:t>9/10/18</a:t>
             </a:fld>
             <a:endParaRPr lang="en-US"/>
           </a:p>
@@ -3080,7 +3084,7 @@
           <a:p>
             <a:fld id="{DB10E5C9-23B2-4A4E-92AB-29D98A655667}" type="datetimeFigureOut">
               <a:rPr lang="en-US" smtClean="0"/>
-              <a:t>9/4/18</a:t>
+              <a:t>9/10/18</a:t>
             </a:fld>
             <a:endParaRPr lang="en-US"/>
           </a:p>
@@ -3358,7 +3362,7 @@
           <a:p>
             <a:fld id="{DB10E5C9-23B2-4A4E-92AB-29D98A655667}" type="datetimeFigureOut">
               <a:rPr lang="en-US" smtClean="0"/>
-              <a:t>9/4/18</a:t>
+              <a:t>9/10/18</a:t>
             </a:fld>
             <a:endParaRPr lang="en-US"/>
           </a:p>
@@ -3943,7 +3947,13 @@
       </p:grpSpPr>
       <p:sp>
         <p:nvSpPr>
-          <p:cNvPr id="2" name="Title 1"/>
+          <p:cNvPr id="2" name="Title 1">
+            <a:extLst>
+              <a:ext uri="{FF2B5EF4-FFF2-40B4-BE49-F238E27FC236}">
+                <a16:creationId xmlns:a16="http://schemas.microsoft.com/office/drawing/2014/main" id="{1F80188C-B273-574D-93FD-81B3C5EB152F}"/>
+              </a:ext>
+            </a:extLst>
+          </p:cNvPr>
           <p:cNvSpPr>
             <a:spLocks noGrp="1"/>
           </p:cNvSpPr>
@@ -3958,19 +3968,25 @@
           <a:p>
             <a:r>
               <a:rPr lang="en-US" dirty="0"/>
-              <a:t>Notifications</a:t>
-            </a:r>
-          </a:p>
-        </p:txBody>
-      </p:sp>
-      <p:sp>
-        <p:nvSpPr>
-          <p:cNvPr id="3" name="Text Placeholder 2"/>
-          <p:cNvSpPr>
-            <a:spLocks noGrp="1"/>
-          </p:cNvSpPr>
-          <p:nvPr>
-            <p:ph type="body" idx="1"/>
+              <a:t>What is bookmarking?</a:t>
+            </a:r>
+          </a:p>
+        </p:txBody>
+      </p:sp>
+      <p:sp>
+        <p:nvSpPr>
+          <p:cNvPr id="3" name="Content Placeholder 2">
+            <a:extLst>
+              <a:ext uri="{FF2B5EF4-FFF2-40B4-BE49-F238E27FC236}">
+                <a16:creationId xmlns:a16="http://schemas.microsoft.com/office/drawing/2014/main" id="{E0E1F3A6-DE4B-9049-9F7A-D801830EADAA}"/>
+              </a:ext>
+            </a:extLst>
+          </p:cNvPr>
+          <p:cNvSpPr>
+            <a:spLocks noGrp="1"/>
+          </p:cNvSpPr>
+          <p:nvPr>
+            <p:ph idx="1"/>
           </p:nvPr>
         </p:nvSpPr>
         <p:spPr/>
@@ -3978,14 +3994,40 @@
           <a:bodyPr/>
           <a:lstStyle/>
           <a:p>
-            <a:endParaRPr lang="en-US"/>
+            <a:r>
+              <a:rPr lang="en-US" dirty="0"/>
+              <a:t>Bookmarking allows you to save application states so users can easily access their settings</a:t>
+            </a:r>
+          </a:p>
+          <a:p>
+            <a:r>
+              <a:rPr lang="en-US" dirty="0"/>
+              <a:t>Not all of your inputs have to be available, you can create a blacklist of inputs using the </a:t>
+            </a:r>
+            <a:r>
+              <a:rPr lang="en-US" dirty="0" err="1"/>
+              <a:t>setBookmarkExclude</a:t>
+            </a:r>
+            <a:r>
+              <a:rPr lang="en-US" dirty="0"/>
+              <a:t>() function</a:t>
+            </a:r>
+          </a:p>
+          <a:p>
+            <a:r>
+              <a:rPr lang="en-US" dirty="0"/>
+              <a:t>There are two methods of Bookmarking, Server and URL</a:t>
+            </a:r>
+          </a:p>
+          <a:p>
+            <a:endParaRPr lang="en-US" dirty="0"/>
           </a:p>
         </p:txBody>
       </p:sp>
     </p:spTree>
     <p:extLst>
       <p:ext uri="{BB962C8B-B14F-4D97-AF65-F5344CB8AC3E}">
-        <p14:creationId xmlns:p14="http://schemas.microsoft.com/office/powerpoint/2010/main" val="3007398221"/>
+        <p14:creationId xmlns:p14="http://schemas.microsoft.com/office/powerpoint/2010/main" val="755108132"/>
       </p:ext>
     </p:extLst>
   </p:cSld>
@@ -4017,6 +4059,457 @@
           <p:cNvPr id="4" name="Title 3">
             <a:extLst>
               <a:ext uri="{FF2B5EF4-FFF2-40B4-BE49-F238E27FC236}">
+                <a16:creationId xmlns:a16="http://schemas.microsoft.com/office/drawing/2014/main" id="{42904770-9705-CD4D-8751-E28FBA3E06A8}"/>
+              </a:ext>
+            </a:extLst>
+          </p:cNvPr>
+          <p:cNvSpPr>
+            <a:spLocks noGrp="1"/>
+          </p:cNvSpPr>
+          <p:nvPr>
+            <p:ph type="title"/>
+          </p:nvPr>
+        </p:nvSpPr>
+        <p:spPr/>
+        <p:txBody>
+          <a:bodyPr/>
+          <a:lstStyle/>
+          <a:p>
+            <a:r>
+              <a:rPr lang="en-US" dirty="0"/>
+              <a:t>Bookmarking</a:t>
+            </a:r>
+          </a:p>
+        </p:txBody>
+      </p:sp>
+      <p:sp>
+        <p:nvSpPr>
+          <p:cNvPr id="5" name="Content Placeholder 4">
+            <a:extLst>
+              <a:ext uri="{FF2B5EF4-FFF2-40B4-BE49-F238E27FC236}">
+                <a16:creationId xmlns:a16="http://schemas.microsoft.com/office/drawing/2014/main" id="{919C5A85-B2F5-5A41-87BD-FBE78520C842}"/>
+              </a:ext>
+            </a:extLst>
+          </p:cNvPr>
+          <p:cNvSpPr>
+            <a:spLocks noGrp="1"/>
+          </p:cNvSpPr>
+          <p:nvPr>
+            <p:ph sz="half" idx="1"/>
+          </p:nvPr>
+        </p:nvSpPr>
+        <p:spPr/>
+        <p:txBody>
+          <a:bodyPr/>
+          <a:lstStyle/>
+          <a:p>
+            <a:r>
+              <a:rPr lang="en-US" dirty="0"/>
+              <a:t>Server side</a:t>
+            </a:r>
+          </a:p>
+          <a:p>
+            <a:pPr lvl="1"/>
+            <a:r>
+              <a:rPr lang="en-US" dirty="0"/>
+              <a:t>Remembers people’s settings using cookies</a:t>
+            </a:r>
+          </a:p>
+          <a:p>
+            <a:pPr lvl="1"/>
+            <a:r>
+              <a:rPr lang="en-US" dirty="0"/>
+              <a:t>Specific button created for saving the state on the server side</a:t>
+            </a:r>
+          </a:p>
+          <a:p>
+            <a:pPr lvl="1"/>
+            <a:r>
+              <a:rPr lang="en-US" dirty="0"/>
+              <a:t>States are saved on the server and loaded</a:t>
+            </a:r>
+          </a:p>
+        </p:txBody>
+      </p:sp>
+      <p:sp>
+        <p:nvSpPr>
+          <p:cNvPr id="6" name="Content Placeholder 5">
+            <a:extLst>
+              <a:ext uri="{FF2B5EF4-FFF2-40B4-BE49-F238E27FC236}">
+                <a16:creationId xmlns:a16="http://schemas.microsoft.com/office/drawing/2014/main" id="{7AB31F04-DD44-6B49-B643-AF9A7889BF78}"/>
+              </a:ext>
+            </a:extLst>
+          </p:cNvPr>
+          <p:cNvSpPr>
+            <a:spLocks noGrp="1"/>
+          </p:cNvSpPr>
+          <p:nvPr>
+            <p:ph sz="half" idx="2"/>
+          </p:nvPr>
+        </p:nvSpPr>
+        <p:spPr/>
+        <p:txBody>
+          <a:bodyPr/>
+          <a:lstStyle/>
+          <a:p>
+            <a:r>
+              <a:rPr lang="en-US" dirty="0"/>
+              <a:t>URL Side</a:t>
+            </a:r>
+          </a:p>
+          <a:p>
+            <a:pPr lvl="1"/>
+            <a:r>
+              <a:rPr lang="en-US" dirty="0"/>
+              <a:t>Translates URL into the input settings of your application</a:t>
+            </a:r>
+          </a:p>
+          <a:p>
+            <a:pPr lvl="1"/>
+            <a:r>
+              <a:rPr lang="en-US" dirty="0"/>
+              <a:t>Either a button can be added to the UI or Shiny can dynamically update the URL so a user can bookmark it</a:t>
+            </a:r>
+          </a:p>
+          <a:p>
+            <a:pPr lvl="1"/>
+            <a:endParaRPr lang="en-US" dirty="0"/>
+          </a:p>
+        </p:txBody>
+      </p:sp>
+    </p:spTree>
+    <p:extLst>
+      <p:ext uri="{BB962C8B-B14F-4D97-AF65-F5344CB8AC3E}">
+        <p14:creationId xmlns:p14="http://schemas.microsoft.com/office/powerpoint/2010/main" val="1673372546"/>
+      </p:ext>
+    </p:extLst>
+  </p:cSld>
+  <p:clrMapOvr>
+    <a:masterClrMapping/>
+  </p:clrMapOvr>
+</p:sld>
+</file>
+
+<file path=ppt/slides/slide12.xml><?xml version="1.0" encoding="utf-8"?>
+<p:sld xmlns:a="http://schemas.openxmlformats.org/drawingml/2006/main" xmlns:r="http://schemas.openxmlformats.org/officeDocument/2006/relationships" xmlns:p="http://schemas.openxmlformats.org/presentationml/2006/main">
+  <p:cSld>
+    <p:spTree>
+      <p:nvGrpSpPr>
+        <p:cNvPr id="1" name=""/>
+        <p:cNvGrpSpPr/>
+        <p:nvPr/>
+      </p:nvGrpSpPr>
+      <p:grpSpPr>
+        <a:xfrm>
+          <a:off x="0" y="0"/>
+          <a:ext cx="0" cy="0"/>
+          <a:chOff x="0" y="0"/>
+          <a:chExt cx="0" cy="0"/>
+        </a:xfrm>
+      </p:grpSpPr>
+      <p:sp>
+        <p:nvSpPr>
+          <p:cNvPr id="2" name="Title 1"/>
+          <p:cNvSpPr>
+            <a:spLocks noGrp="1"/>
+          </p:cNvSpPr>
+          <p:nvPr>
+            <p:ph type="title"/>
+          </p:nvPr>
+        </p:nvSpPr>
+        <p:spPr/>
+        <p:txBody>
+          <a:bodyPr/>
+          <a:lstStyle/>
+          <a:p>
+            <a:r>
+              <a:rPr lang="en-US" dirty="0"/>
+              <a:t>URL Bookmarking Example</a:t>
+            </a:r>
+          </a:p>
+        </p:txBody>
+      </p:sp>
+      <p:pic>
+        <p:nvPicPr>
+          <p:cNvPr id="3" name="Picture 2"/>
+          <p:cNvPicPr>
+            <a:picLocks noChangeAspect="1"/>
+          </p:cNvPicPr>
+          <p:nvPr/>
+        </p:nvPicPr>
+        <p:blipFill>
+          <a:blip r:embed="rId2"/>
+          <a:stretch>
+            <a:fillRect/>
+          </a:stretch>
+        </p:blipFill>
+        <p:spPr>
+          <a:xfrm>
+            <a:off x="2062120" y="4833697"/>
+            <a:ext cx="6046601" cy="473529"/>
+          </a:xfrm>
+          <a:prstGeom prst="rect">
+            <a:avLst/>
+          </a:prstGeom>
+        </p:spPr>
+      </p:pic>
+      <p:pic>
+        <p:nvPicPr>
+          <p:cNvPr id="6" name="Picture 5">
+            <a:extLst>
+              <a:ext uri="{FF2B5EF4-FFF2-40B4-BE49-F238E27FC236}">
+                <a16:creationId xmlns:a16="http://schemas.microsoft.com/office/drawing/2014/main" id="{4BA98C6E-86C5-1641-ABCF-CEFD3443577F}"/>
+              </a:ext>
+            </a:extLst>
+          </p:cNvPr>
+          <p:cNvPicPr>
+            <a:picLocks noChangeAspect="1"/>
+          </p:cNvPicPr>
+          <p:nvPr/>
+        </p:nvPicPr>
+        <p:blipFill>
+          <a:blip r:embed="rId3"/>
+          <a:stretch>
+            <a:fillRect/>
+          </a:stretch>
+        </p:blipFill>
+        <p:spPr>
+          <a:xfrm>
+            <a:off x="2062120" y="2012263"/>
+            <a:ext cx="5778500" cy="1968500"/>
+          </a:xfrm>
+          <a:prstGeom prst="rect">
+            <a:avLst/>
+          </a:prstGeom>
+        </p:spPr>
+      </p:pic>
+    </p:spTree>
+    <p:extLst>
+      <p:ext uri="{BB962C8B-B14F-4D97-AF65-F5344CB8AC3E}">
+        <p14:creationId xmlns:p14="http://schemas.microsoft.com/office/powerpoint/2010/main" val="2309609018"/>
+      </p:ext>
+    </p:extLst>
+  </p:cSld>
+  <p:clrMapOvr>
+    <a:masterClrMapping/>
+  </p:clrMapOvr>
+</p:sld>
+</file>
+
+<file path=ppt/slides/slide13.xml><?xml version="1.0" encoding="utf-8"?>
+<p:sld xmlns:a="http://schemas.openxmlformats.org/drawingml/2006/main" xmlns:r="http://schemas.openxmlformats.org/officeDocument/2006/relationships" xmlns:p="http://schemas.openxmlformats.org/presentationml/2006/main">
+  <p:cSld>
+    <p:spTree>
+      <p:nvGrpSpPr>
+        <p:cNvPr id="1" name=""/>
+        <p:cNvGrpSpPr/>
+        <p:nvPr/>
+      </p:nvGrpSpPr>
+      <p:grpSpPr>
+        <a:xfrm>
+          <a:off x="0" y="0"/>
+          <a:ext cx="0" cy="0"/>
+          <a:chOff x="0" y="0"/>
+          <a:chExt cx="0" cy="0"/>
+        </a:xfrm>
+      </p:grpSpPr>
+      <p:sp>
+        <p:nvSpPr>
+          <p:cNvPr id="2" name="Title 1">
+            <a:extLst>
+              <a:ext uri="{FF2B5EF4-FFF2-40B4-BE49-F238E27FC236}">
+                <a16:creationId xmlns:a16="http://schemas.microsoft.com/office/drawing/2014/main" id="{5A593E9A-FC2C-7B43-84DE-538E676A9FC3}"/>
+              </a:ext>
+            </a:extLst>
+          </p:cNvPr>
+          <p:cNvSpPr>
+            <a:spLocks noGrp="1"/>
+          </p:cNvSpPr>
+          <p:nvPr>
+            <p:ph type="title"/>
+          </p:nvPr>
+        </p:nvSpPr>
+        <p:spPr/>
+        <p:txBody>
+          <a:bodyPr/>
+          <a:lstStyle/>
+          <a:p>
+            <a:r>
+              <a:rPr lang="en-US" dirty="0" err="1"/>
+              <a:t>onRestore</a:t>
+            </a:r>
+            <a:r>
+              <a:rPr lang="en-US" dirty="0"/>
+              <a:t>()/</a:t>
+            </a:r>
+            <a:r>
+              <a:rPr lang="en-US" dirty="0" err="1"/>
+              <a:t>onRestored</a:t>
+            </a:r>
+            <a:r>
+              <a:rPr lang="en-US" dirty="0"/>
+              <a:t>()</a:t>
+            </a:r>
+          </a:p>
+        </p:txBody>
+      </p:sp>
+      <p:sp>
+        <p:nvSpPr>
+          <p:cNvPr id="5" name="Content Placeholder 4">
+            <a:extLst>
+              <a:ext uri="{FF2B5EF4-FFF2-40B4-BE49-F238E27FC236}">
+                <a16:creationId xmlns:a16="http://schemas.microsoft.com/office/drawing/2014/main" id="{D66CCA76-35F7-4A48-9F2E-15A6D1F09830}"/>
+              </a:ext>
+            </a:extLst>
+          </p:cNvPr>
+          <p:cNvSpPr>
+            <a:spLocks noGrp="1"/>
+          </p:cNvSpPr>
+          <p:nvPr>
+            <p:ph idx="1"/>
+          </p:nvPr>
+        </p:nvSpPr>
+        <p:spPr/>
+        <p:txBody>
+          <a:bodyPr/>
+          <a:lstStyle/>
+          <a:p>
+            <a:r>
+              <a:rPr lang="en-US" dirty="0"/>
+              <a:t>Unless you specify something using either of these functions, all inputs stored will restore when loading an app with bookmarking </a:t>
+            </a:r>
+          </a:p>
+          <a:p>
+            <a:r>
+              <a:rPr lang="en-US" dirty="0" err="1"/>
+              <a:t>onRestore</a:t>
+            </a:r>
+            <a:r>
+              <a:rPr lang="en-US" dirty="0"/>
+              <a:t>() can help implement some logic before restoring certain inputs, or save in a list to be used later.</a:t>
+            </a:r>
+          </a:p>
+          <a:p>
+            <a:r>
+              <a:rPr lang="en-US" dirty="0" err="1"/>
+              <a:t>onRestored</a:t>
+            </a:r>
+            <a:r>
+              <a:rPr lang="en-US" dirty="0"/>
+              <a:t>() runs after the application has been restored. Can be used to send update to the user.</a:t>
+            </a:r>
+          </a:p>
+          <a:p>
+            <a:endParaRPr lang="en-US" dirty="0"/>
+          </a:p>
+        </p:txBody>
+      </p:sp>
+    </p:spTree>
+    <p:extLst>
+      <p:ext uri="{BB962C8B-B14F-4D97-AF65-F5344CB8AC3E}">
+        <p14:creationId xmlns:p14="http://schemas.microsoft.com/office/powerpoint/2010/main" val="2360759137"/>
+      </p:ext>
+    </p:extLst>
+  </p:cSld>
+  <p:clrMapOvr>
+    <a:masterClrMapping/>
+  </p:clrMapOvr>
+</p:sld>
+</file>
+
+<file path=ppt/slides/slide14.xml><?xml version="1.0" encoding="utf-8"?>
+<p:sld xmlns:a="http://schemas.openxmlformats.org/drawingml/2006/main" xmlns:r="http://schemas.openxmlformats.org/officeDocument/2006/relationships" xmlns:p="http://schemas.openxmlformats.org/presentationml/2006/main">
+  <p:cSld>
+    <p:spTree>
+      <p:nvGrpSpPr>
+        <p:cNvPr id="1" name=""/>
+        <p:cNvGrpSpPr/>
+        <p:nvPr/>
+      </p:nvGrpSpPr>
+      <p:grpSpPr>
+        <a:xfrm>
+          <a:off x="0" y="0"/>
+          <a:ext cx="0" cy="0"/>
+          <a:chOff x="0" y="0"/>
+          <a:chExt cx="0" cy="0"/>
+        </a:xfrm>
+      </p:grpSpPr>
+      <p:sp>
+        <p:nvSpPr>
+          <p:cNvPr id="2" name="Title 1"/>
+          <p:cNvSpPr>
+            <a:spLocks noGrp="1"/>
+          </p:cNvSpPr>
+          <p:nvPr>
+            <p:ph type="title"/>
+          </p:nvPr>
+        </p:nvSpPr>
+        <p:spPr/>
+        <p:txBody>
+          <a:bodyPr/>
+          <a:lstStyle/>
+          <a:p>
+            <a:r>
+              <a:rPr lang="en-US" dirty="0"/>
+              <a:t>Notifications</a:t>
+            </a:r>
+          </a:p>
+        </p:txBody>
+      </p:sp>
+      <p:sp>
+        <p:nvSpPr>
+          <p:cNvPr id="3" name="Text Placeholder 2"/>
+          <p:cNvSpPr>
+            <a:spLocks noGrp="1"/>
+          </p:cNvSpPr>
+          <p:nvPr>
+            <p:ph type="body" idx="1"/>
+          </p:nvPr>
+        </p:nvSpPr>
+        <p:spPr/>
+        <p:txBody>
+          <a:bodyPr/>
+          <a:lstStyle/>
+          <a:p>
+            <a:endParaRPr lang="en-US"/>
+          </a:p>
+        </p:txBody>
+      </p:sp>
+    </p:spTree>
+    <p:extLst>
+      <p:ext uri="{BB962C8B-B14F-4D97-AF65-F5344CB8AC3E}">
+        <p14:creationId xmlns:p14="http://schemas.microsoft.com/office/powerpoint/2010/main" val="3007398221"/>
+      </p:ext>
+    </p:extLst>
+  </p:cSld>
+  <p:clrMapOvr>
+    <a:masterClrMapping/>
+  </p:clrMapOvr>
+</p:sld>
+</file>
+
+<file path=ppt/slides/slide15.xml><?xml version="1.0" encoding="utf-8"?>
+<p:sld xmlns:a="http://schemas.openxmlformats.org/drawingml/2006/main" xmlns:r="http://schemas.openxmlformats.org/officeDocument/2006/relationships" xmlns:p="http://schemas.openxmlformats.org/presentationml/2006/main">
+  <p:cSld>
+    <p:spTree>
+      <p:nvGrpSpPr>
+        <p:cNvPr id="1" name=""/>
+        <p:cNvGrpSpPr/>
+        <p:nvPr/>
+      </p:nvGrpSpPr>
+      <p:grpSpPr>
+        <a:xfrm>
+          <a:off x="0" y="0"/>
+          <a:ext cx="0" cy="0"/>
+          <a:chOff x="0" y="0"/>
+          <a:chExt cx="0" cy="0"/>
+        </a:xfrm>
+      </p:grpSpPr>
+      <p:sp>
+        <p:nvSpPr>
+          <p:cNvPr id="4" name="Title 3">
+            <a:extLst>
+              <a:ext uri="{FF2B5EF4-FFF2-40B4-BE49-F238E27FC236}">
                 <a16:creationId xmlns:a16="http://schemas.microsoft.com/office/drawing/2014/main" id="{7AAAE73A-EC94-B446-88C1-75C08ED2E74B}"/>
               </a:ext>
             </a:extLst>
@@ -4121,7 +4614,7 @@
 </p:sld>
 </file>
 
-<file path=ppt/slides/slide12.xml><?xml version="1.0" encoding="utf-8"?>
+<file path=ppt/slides/slide16.xml><?xml version="1.0" encoding="utf-8"?>
 <p:sld xmlns:a="http://schemas.openxmlformats.org/drawingml/2006/main" xmlns:r="http://schemas.openxmlformats.org/officeDocument/2006/relationships" xmlns:p="http://schemas.openxmlformats.org/presentationml/2006/main">
   <p:cSld>
     <p:spTree>
@@ -4316,7 +4809,7 @@
 </p:sld>
 </file>
 
-<file path=ppt/slides/slide13.xml><?xml version="1.0" encoding="utf-8"?>
+<file path=ppt/slides/slide17.xml><?xml version="1.0" encoding="utf-8"?>
 <p:sld xmlns:a="http://schemas.openxmlformats.org/drawingml/2006/main" xmlns:r="http://schemas.openxmlformats.org/officeDocument/2006/relationships" xmlns:p="http://schemas.openxmlformats.org/presentationml/2006/main">
   <p:cSld>
     <p:spTree>
@@ -4387,7 +4880,7 @@
 </p:sld>
 </file>
 
-<file path=ppt/slides/slide14.xml><?xml version="1.0" encoding="utf-8"?>
+<file path=ppt/slides/slide18.xml><?xml version="1.0" encoding="utf-8"?>
 <p:sld xmlns:a="http://schemas.openxmlformats.org/drawingml/2006/main" xmlns:r="http://schemas.openxmlformats.org/officeDocument/2006/relationships" xmlns:p="http://schemas.openxmlformats.org/presentationml/2006/main">
   <p:cSld>
     <p:spTree>
@@ -4463,7 +4956,7 @@
 </p:sld>
 </file>
 
-<file path=ppt/slides/slide15.xml><?xml version="1.0" encoding="utf-8"?>
+<file path=ppt/slides/slide19.xml><?xml version="1.0" encoding="utf-8"?>
 <p:sld xmlns:a="http://schemas.openxmlformats.org/drawingml/2006/main" xmlns:r="http://schemas.openxmlformats.org/officeDocument/2006/relationships" xmlns:p="http://schemas.openxmlformats.org/presentationml/2006/main">
   <p:cSld>
     <p:spTree>
@@ -4534,7 +5027,135 @@
 </p:sld>
 </file>
 
-<file path=ppt/slides/slide16.xml><?xml version="1.0" encoding="utf-8"?>
+<file path=ppt/slides/slide2.xml><?xml version="1.0" encoding="utf-8"?>
+<p:sld xmlns:a="http://schemas.openxmlformats.org/drawingml/2006/main" xmlns:r="http://schemas.openxmlformats.org/officeDocument/2006/relationships" xmlns:p="http://schemas.openxmlformats.org/presentationml/2006/main">
+  <p:cSld>
+    <p:spTree>
+      <p:nvGrpSpPr>
+        <p:cNvPr id="1" name=""/>
+        <p:cNvGrpSpPr/>
+        <p:nvPr/>
+      </p:nvGrpSpPr>
+      <p:grpSpPr>
+        <a:xfrm>
+          <a:off x="0" y="0"/>
+          <a:ext cx="0" cy="0"/>
+          <a:chOff x="0" y="0"/>
+          <a:chExt cx="0" cy="0"/>
+        </a:xfrm>
+      </p:grpSpPr>
+      <p:sp>
+        <p:nvSpPr>
+          <p:cNvPr id="2" name="Title 1">
+            <a:extLst>
+              <a:ext uri="{FF2B5EF4-FFF2-40B4-BE49-F238E27FC236}">
+                <a16:creationId xmlns:a16="http://schemas.microsoft.com/office/drawing/2014/main" id="{EE6F8B8E-83BD-A84E-A575-7085AD8D1F48}"/>
+              </a:ext>
+            </a:extLst>
+          </p:cNvPr>
+          <p:cNvSpPr>
+            <a:spLocks noGrp="1"/>
+          </p:cNvSpPr>
+          <p:nvPr>
+            <p:ph type="title"/>
+          </p:nvPr>
+        </p:nvSpPr>
+        <p:spPr/>
+        <p:txBody>
+          <a:bodyPr/>
+          <a:lstStyle/>
+          <a:p>
+            <a:r>
+              <a:rPr lang="en-US" dirty="0"/>
+              <a:t>Agenda</a:t>
+            </a:r>
+          </a:p>
+        </p:txBody>
+      </p:sp>
+      <p:sp>
+        <p:nvSpPr>
+          <p:cNvPr id="3" name="Content Placeholder 2">
+            <a:extLst>
+              <a:ext uri="{FF2B5EF4-FFF2-40B4-BE49-F238E27FC236}">
+                <a16:creationId xmlns:a16="http://schemas.microsoft.com/office/drawing/2014/main" id="{0372C9DE-B1A0-6945-AA30-4B3AF20BC97B}"/>
+              </a:ext>
+            </a:extLst>
+          </p:cNvPr>
+          <p:cNvSpPr>
+            <a:spLocks noGrp="1"/>
+          </p:cNvSpPr>
+          <p:nvPr>
+            <p:ph idx="1"/>
+          </p:nvPr>
+        </p:nvSpPr>
+        <p:spPr/>
+        <p:txBody>
+          <a:bodyPr/>
+          <a:lstStyle/>
+          <a:p>
+            <a:r>
+              <a:rPr lang="en-US" dirty="0"/>
+              <a:t>Homework 1 Recap</a:t>
+            </a:r>
+          </a:p>
+          <a:p>
+            <a:r>
+              <a:rPr lang="en-US" dirty="0"/>
+              <a:t>Homework 2</a:t>
+            </a:r>
+          </a:p>
+          <a:p>
+            <a:r>
+              <a:rPr lang="en-US" dirty="0"/>
+              <a:t>Download Handler</a:t>
+            </a:r>
+          </a:p>
+          <a:p>
+            <a:r>
+              <a:rPr lang="en-US" dirty="0"/>
+              <a:t>Bookmarking</a:t>
+            </a:r>
+          </a:p>
+          <a:p>
+            <a:r>
+              <a:rPr lang="en-US" dirty="0"/>
+              <a:t>Notifications</a:t>
+            </a:r>
+          </a:p>
+          <a:p>
+            <a:r>
+              <a:rPr lang="en-US" dirty="0"/>
+              <a:t>Progress Bar</a:t>
+            </a:r>
+          </a:p>
+          <a:p>
+            <a:r>
+              <a:rPr lang="en-US" dirty="0"/>
+              <a:t>Values List</a:t>
+            </a:r>
+          </a:p>
+          <a:p>
+            <a:r>
+              <a:rPr lang="en-US" dirty="0"/>
+              <a:t>Updates/Observers</a:t>
+            </a:r>
+          </a:p>
+        </p:txBody>
+      </p:sp>
+    </p:spTree>
+    <p:extLst>
+      <p:ext uri="{BB962C8B-B14F-4D97-AF65-F5344CB8AC3E}">
+        <p14:creationId xmlns:p14="http://schemas.microsoft.com/office/powerpoint/2010/main" val="1120820487"/>
+      </p:ext>
+    </p:extLst>
+  </p:cSld>
+  <p:clrMapOvr>
+    <a:masterClrMapping/>
+  </p:clrMapOvr>
+</p:sld>
+</file>
+
+<file path=ppt/slides/slide20.xml><?xml version="1.0" encoding="utf-8"?>
 <p:sld xmlns:a="http://schemas.openxmlformats.org/drawingml/2006/main" xmlns:r="http://schemas.openxmlformats.org/officeDocument/2006/relationships" xmlns:p="http://schemas.openxmlformats.org/presentationml/2006/main">
   <p:cSld>
     <p:spTree>
@@ -4713,7 +5334,7 @@
 </p:sld>
 </file>
 
-<file path=ppt/slides/slide17.xml><?xml version="1.0" encoding="utf-8"?>
+<file path=ppt/slides/slide21.xml><?xml version="1.0" encoding="utf-8"?>
 <p:sld xmlns:a="http://schemas.openxmlformats.org/drawingml/2006/main" xmlns:r="http://schemas.openxmlformats.org/officeDocument/2006/relationships" xmlns:p="http://schemas.openxmlformats.org/presentationml/2006/main">
   <p:cSld>
     <p:spTree>
@@ -4892,7 +5513,7 @@
 </p:sld>
 </file>
 
-<file path=ppt/slides/slide18.xml><?xml version="1.0" encoding="utf-8"?>
+<file path=ppt/slides/slide22.xml><?xml version="1.0" encoding="utf-8"?>
 <p:sld xmlns:a="http://schemas.openxmlformats.org/drawingml/2006/main" xmlns:r="http://schemas.openxmlformats.org/officeDocument/2006/relationships" xmlns:p="http://schemas.openxmlformats.org/presentationml/2006/main">
   <p:cSld>
     <p:spTree>
@@ -4963,7 +5584,7 @@
 </p:sld>
 </file>
 
-<file path=ppt/slides/slide19.xml><?xml version="1.0" encoding="utf-8"?>
+<file path=ppt/slides/slide23.xml><?xml version="1.0" encoding="utf-8"?>
 <p:sld xmlns:a="http://schemas.openxmlformats.org/drawingml/2006/main" xmlns:r="http://schemas.openxmlformats.org/officeDocument/2006/relationships" xmlns:p="http://schemas.openxmlformats.org/presentationml/2006/main">
   <p:cSld>
     <p:spTree>
@@ -5081,128 +5702,7 @@
 </p:sld>
 </file>
 
-<file path=ppt/slides/slide2.xml><?xml version="1.0" encoding="utf-8"?>
-<p:sld xmlns:a="http://schemas.openxmlformats.org/drawingml/2006/main" xmlns:r="http://schemas.openxmlformats.org/officeDocument/2006/relationships" xmlns:p="http://schemas.openxmlformats.org/presentationml/2006/main">
-  <p:cSld>
-    <p:spTree>
-      <p:nvGrpSpPr>
-        <p:cNvPr id="1" name=""/>
-        <p:cNvGrpSpPr/>
-        <p:nvPr/>
-      </p:nvGrpSpPr>
-      <p:grpSpPr>
-        <a:xfrm>
-          <a:off x="0" y="0"/>
-          <a:ext cx="0" cy="0"/>
-          <a:chOff x="0" y="0"/>
-          <a:chExt cx="0" cy="0"/>
-        </a:xfrm>
-      </p:grpSpPr>
-      <p:sp>
-        <p:nvSpPr>
-          <p:cNvPr id="2" name="Title 1">
-            <a:extLst>
-              <a:ext uri="{FF2B5EF4-FFF2-40B4-BE49-F238E27FC236}">
-                <a16:creationId xmlns:a16="http://schemas.microsoft.com/office/drawing/2014/main" id="{EE6F8B8E-83BD-A84E-A575-7085AD8D1F48}"/>
-              </a:ext>
-            </a:extLst>
-          </p:cNvPr>
-          <p:cNvSpPr>
-            <a:spLocks noGrp="1"/>
-          </p:cNvSpPr>
-          <p:nvPr>
-            <p:ph type="title"/>
-          </p:nvPr>
-        </p:nvSpPr>
-        <p:spPr/>
-        <p:txBody>
-          <a:bodyPr/>
-          <a:lstStyle/>
-          <a:p>
-            <a:r>
-              <a:rPr lang="en-US" dirty="0"/>
-              <a:t>Agenda</a:t>
-            </a:r>
-          </a:p>
-        </p:txBody>
-      </p:sp>
-      <p:sp>
-        <p:nvSpPr>
-          <p:cNvPr id="3" name="Content Placeholder 2">
-            <a:extLst>
-              <a:ext uri="{FF2B5EF4-FFF2-40B4-BE49-F238E27FC236}">
-                <a16:creationId xmlns:a16="http://schemas.microsoft.com/office/drawing/2014/main" id="{0372C9DE-B1A0-6945-AA30-4B3AF20BC97B}"/>
-              </a:ext>
-            </a:extLst>
-          </p:cNvPr>
-          <p:cNvSpPr>
-            <a:spLocks noGrp="1"/>
-          </p:cNvSpPr>
-          <p:nvPr>
-            <p:ph idx="1"/>
-          </p:nvPr>
-        </p:nvSpPr>
-        <p:spPr/>
-        <p:txBody>
-          <a:bodyPr/>
-          <a:lstStyle/>
-          <a:p>
-            <a:r>
-              <a:rPr lang="en-US" dirty="0"/>
-              <a:t>Download Handler</a:t>
-            </a:r>
-          </a:p>
-          <a:p>
-            <a:r>
-              <a:rPr lang="en-US" dirty="0"/>
-              <a:t>Bookmarking</a:t>
-            </a:r>
-          </a:p>
-          <a:p>
-            <a:r>
-              <a:rPr lang="en-US" dirty="0"/>
-              <a:t>Notifications</a:t>
-            </a:r>
-          </a:p>
-          <a:p>
-            <a:r>
-              <a:rPr lang="en-US" dirty="0"/>
-              <a:t>Progress Bar</a:t>
-            </a:r>
-          </a:p>
-          <a:p>
-            <a:r>
-              <a:rPr lang="en-US" dirty="0"/>
-              <a:t>Values List</a:t>
-            </a:r>
-          </a:p>
-          <a:p>
-            <a:r>
-              <a:rPr lang="en-US" dirty="0"/>
-              <a:t>Updates</a:t>
-            </a:r>
-            <a:r>
-              <a:rPr lang="en-US"/>
-              <a:t>/Observers</a:t>
-            </a:r>
-            <a:endParaRPr lang="en-US" dirty="0"/>
-          </a:p>
-        </p:txBody>
-      </p:sp>
-    </p:spTree>
-    <p:extLst>
-      <p:ext uri="{BB962C8B-B14F-4D97-AF65-F5344CB8AC3E}">
-        <p14:creationId xmlns:p14="http://schemas.microsoft.com/office/powerpoint/2010/main" val="1120820487"/>
-      </p:ext>
-    </p:extLst>
-  </p:cSld>
-  <p:clrMapOvr>
-    <a:masterClrMapping/>
-  </p:clrMapOvr>
-</p:sld>
-</file>
-
-<file path=ppt/slides/slide20.xml><?xml version="1.0" encoding="utf-8"?>
+<file path=ppt/slides/slide24.xml><?xml version="1.0" encoding="utf-8"?>
 <p:sld xmlns:a="http://schemas.openxmlformats.org/drawingml/2006/main" xmlns:r="http://schemas.openxmlformats.org/officeDocument/2006/relationships" xmlns:p="http://schemas.openxmlformats.org/presentationml/2006/main">
   <p:cSld>
     <p:spTree>
@@ -5264,7 +5764,7 @@
 </p:sld>
 </file>
 
-<file path=ppt/slides/slide21.xml><?xml version="1.0" encoding="utf-8"?>
+<file path=ppt/slides/slide25.xml><?xml version="1.0" encoding="utf-8"?>
 <p:sld xmlns:a="http://schemas.openxmlformats.org/drawingml/2006/main" xmlns:r="http://schemas.openxmlformats.org/officeDocument/2006/relationships" xmlns:p="http://schemas.openxmlformats.org/presentationml/2006/main">
   <p:cSld>
     <p:spTree>
@@ -5384,7 +5884,7 @@
 </p:sld>
 </file>
 
-<file path=ppt/slides/slide22.xml><?xml version="1.0" encoding="utf-8"?>
+<file path=ppt/slides/slide26.xml><?xml version="1.0" encoding="utf-8"?>
 <p:sld xmlns:a="http://schemas.openxmlformats.org/drawingml/2006/main" xmlns:r="http://schemas.openxmlformats.org/officeDocument/2006/relationships" xmlns:p="http://schemas.openxmlformats.org/presentationml/2006/main">
   <p:cSld>
     <p:spTree>
@@ -5462,7 +5962,7 @@
 </p:sld>
 </file>
 
-<file path=ppt/slides/slide23.xml><?xml version="1.0" encoding="utf-8"?>
+<file path=ppt/slides/slide27.xml><?xml version="1.0" encoding="utf-8"?>
 <p:sld xmlns:a="http://schemas.openxmlformats.org/drawingml/2006/main" xmlns:r="http://schemas.openxmlformats.org/officeDocument/2006/relationships" xmlns:p="http://schemas.openxmlformats.org/presentationml/2006/main">
   <p:cSld>
     <p:spTree>
@@ -5614,7 +6114,7 @@
 </p:sld>
 </file>
 
-<file path=ppt/slides/slide24.xml><?xml version="1.0" encoding="utf-8"?>
+<file path=ppt/slides/slide28.xml><?xml version="1.0" encoding="utf-8"?>
 <p:sld xmlns:a="http://schemas.openxmlformats.org/drawingml/2006/main" xmlns:r="http://schemas.openxmlformats.org/officeDocument/2006/relationships" xmlns:p="http://schemas.openxmlformats.org/presentationml/2006/main">
   <p:cSld>
     <p:spTree>
@@ -5732,7 +6232,7 @@
 </p:sld>
 </file>
 
-<file path=ppt/slides/slide25.xml><?xml version="1.0" encoding="utf-8"?>
+<file path=ppt/slides/slide29.xml><?xml version="1.0" encoding="utf-8"?>
 <p:sld xmlns:a="http://schemas.openxmlformats.org/drawingml/2006/main" xmlns:r="http://schemas.openxmlformats.org/officeDocument/2006/relationships" xmlns:p="http://schemas.openxmlformats.org/presentationml/2006/main">
   <p:cSld>
     <p:bg>
@@ -5941,6 +6441,732 @@
       </p:grpSpPr>
       <p:sp>
         <p:nvSpPr>
+          <p:cNvPr id="2" name="Title 1">
+            <a:extLst>
+              <a:ext uri="{FF2B5EF4-FFF2-40B4-BE49-F238E27FC236}">
+                <a16:creationId xmlns:a16="http://schemas.microsoft.com/office/drawing/2014/main" id="{A47D163D-B92F-B841-8763-D214FC05DA66}"/>
+              </a:ext>
+            </a:extLst>
+          </p:cNvPr>
+          <p:cNvSpPr>
+            <a:spLocks noGrp="1"/>
+          </p:cNvSpPr>
+          <p:nvPr>
+            <p:ph type="title"/>
+          </p:nvPr>
+        </p:nvSpPr>
+        <p:spPr/>
+        <p:txBody>
+          <a:bodyPr/>
+          <a:lstStyle/>
+          <a:p>
+            <a:r>
+              <a:rPr lang="en-US" dirty="0"/>
+              <a:t>Homework 1 recap</a:t>
+            </a:r>
+          </a:p>
+        </p:txBody>
+      </p:sp>
+      <p:sp>
+        <p:nvSpPr>
+          <p:cNvPr id="3" name="Text Placeholder 2">
+            <a:extLst>
+              <a:ext uri="{FF2B5EF4-FFF2-40B4-BE49-F238E27FC236}">
+                <a16:creationId xmlns:a16="http://schemas.microsoft.com/office/drawing/2014/main" id="{F25CD973-B1B1-334A-9602-3B7315663797}"/>
+              </a:ext>
+            </a:extLst>
+          </p:cNvPr>
+          <p:cNvSpPr>
+            <a:spLocks noGrp="1"/>
+          </p:cNvSpPr>
+          <p:nvPr>
+            <p:ph type="body" idx="1"/>
+          </p:nvPr>
+        </p:nvSpPr>
+        <p:spPr/>
+        <p:txBody>
+          <a:bodyPr/>
+          <a:lstStyle/>
+          <a:p>
+            <a:endParaRPr lang="en-US"/>
+          </a:p>
+        </p:txBody>
+      </p:sp>
+    </p:spTree>
+    <p:extLst>
+      <p:ext uri="{BB962C8B-B14F-4D97-AF65-F5344CB8AC3E}">
+        <p14:creationId xmlns:p14="http://schemas.microsoft.com/office/powerpoint/2010/main" val="1897541828"/>
+      </p:ext>
+    </p:extLst>
+  </p:cSld>
+  <p:clrMapOvr>
+    <a:masterClrMapping/>
+  </p:clrMapOvr>
+</p:sld>
+</file>
+
+<file path=ppt/slides/slide4.xml><?xml version="1.0" encoding="utf-8"?>
+<p:sld xmlns:a="http://schemas.openxmlformats.org/drawingml/2006/main" xmlns:r="http://schemas.openxmlformats.org/officeDocument/2006/relationships" xmlns:p="http://schemas.openxmlformats.org/presentationml/2006/main">
+  <p:cSld>
+    <p:bg>
+      <p:bgPr>
+        <a:solidFill>
+          <a:schemeClr val="bg2"/>
+        </a:solidFill>
+        <a:effectLst/>
+      </p:bgPr>
+    </p:bg>
+    <p:spTree>
+      <p:nvGrpSpPr>
+        <p:cNvPr id="1" name=""/>
+        <p:cNvGrpSpPr/>
+        <p:nvPr/>
+      </p:nvGrpSpPr>
+      <p:grpSpPr>
+        <a:xfrm>
+          <a:off x="0" y="0"/>
+          <a:ext cx="0" cy="0"/>
+          <a:chOff x="0" y="0"/>
+          <a:chExt cx="0" cy="0"/>
+        </a:xfrm>
+      </p:grpSpPr>
+      <p:sp>
+        <p:nvSpPr>
+          <p:cNvPr id="11" name="Title 3">
+            <a:extLst>
+              <a:ext uri="{FF2B5EF4-FFF2-40B4-BE49-F238E27FC236}">
+                <a16:creationId xmlns:a16="http://schemas.microsoft.com/office/drawing/2014/main" id="{6A13C873-BFA6-5747-B6B6-B5B9D9409FCC}"/>
+              </a:ext>
+            </a:extLst>
+          </p:cNvPr>
+          <p:cNvSpPr>
+            <a:spLocks noGrp="1"/>
+          </p:cNvSpPr>
+          <p:nvPr>
+            <p:ph type="title"/>
+          </p:nvPr>
+        </p:nvSpPr>
+        <p:spPr>
+          <a:xfrm>
+            <a:off x="7860667" y="685800"/>
+            <a:ext cx="3656419" cy="1485900"/>
+          </a:xfrm>
+        </p:spPr>
+        <p:txBody>
+          <a:bodyPr>
+            <a:normAutofit/>
+          </a:bodyPr>
+          <a:lstStyle/>
+          <a:p>
+            <a:r>
+              <a:rPr lang="en-US" dirty="0"/>
+              <a:t>Stats</a:t>
+            </a:r>
+          </a:p>
+        </p:txBody>
+      </p:sp>
+      <p:sp>
+        <p:nvSpPr>
+          <p:cNvPr id="15" name="Rectangle 14">
+            <a:extLst>
+              <a:ext uri="{FF2B5EF4-FFF2-40B4-BE49-F238E27FC236}">
+                <a16:creationId xmlns:a16="http://schemas.microsoft.com/office/drawing/2014/main" id="{BEC9E7FA-3295-45ED-8253-D23F9E44E1DA}"/>
+              </a:ext>
+              <a:ext uri="{C183D7F6-B498-43B3-948B-1728B52AA6E4}">
+                <adec:decorative xmlns:adec="http://schemas.microsoft.com/office/drawing/2017/decorative" val="1"/>
+              </a:ext>
+            </a:extLst>
+          </p:cNvPr>
+          <p:cNvSpPr>
+            <a:spLocks noGrp="1" noRot="1" noChangeAspect="1" noMove="1" noResize="1" noEditPoints="1" noAdjustHandles="1" noChangeArrowheads="1" noChangeShapeType="1" noTextEdit="1"/>
+          </p:cNvSpPr>
+          <p:nvPr>
+            <p:extLst>
+              <p:ext uri="{386F3935-93C4-4BCD-93E2-E3B085C9AB24}">
+                <p16:designElem xmlns:p16="http://schemas.microsoft.com/office/powerpoint/2015/main" val="1"/>
+              </p:ext>
+            </p:extLst>
+          </p:nvPr>
+        </p:nvSpPr>
+        <p:spPr>
+          <a:xfrm>
+            <a:off x="478095" y="376"/>
+            <a:ext cx="228600" cy="6858000"/>
+          </a:xfrm>
+          <a:prstGeom prst="rect">
+            <a:avLst/>
+          </a:prstGeom>
+          <a:solidFill>
+            <a:schemeClr val="tx2"/>
+          </a:solidFill>
+          <a:ln>
+            <a:noFill/>
+          </a:ln>
+        </p:spPr>
+        <p:style>
+          <a:lnRef idx="2">
+            <a:schemeClr val="accent1">
+              <a:shade val="50000"/>
+            </a:schemeClr>
+          </a:lnRef>
+          <a:fillRef idx="1">
+            <a:schemeClr val="accent1"/>
+          </a:fillRef>
+          <a:effectRef idx="0">
+            <a:schemeClr val="accent1"/>
+          </a:effectRef>
+          <a:fontRef idx="minor">
+            <a:schemeClr val="lt1"/>
+          </a:fontRef>
+        </p:style>
+      </p:sp>
+      <p:pic>
+        <p:nvPicPr>
+          <p:cNvPr id="10" name="Content Placeholder 6">
+            <a:extLst>
+              <a:ext uri="{FF2B5EF4-FFF2-40B4-BE49-F238E27FC236}">
+                <a16:creationId xmlns:a16="http://schemas.microsoft.com/office/drawing/2014/main" id="{02DE8137-8443-2A4A-893C-439EEE7B81CD}"/>
+              </a:ext>
+            </a:extLst>
+          </p:cNvPr>
+          <p:cNvPicPr>
+            <a:picLocks noChangeAspect="1"/>
+          </p:cNvPicPr>
+          <p:nvPr/>
+        </p:nvPicPr>
+        <p:blipFill>
+          <a:blip r:embed="rId2"/>
+          <a:stretch>
+            <a:fillRect/>
+          </a:stretch>
+        </p:blipFill>
+        <p:spPr>
+          <a:xfrm>
+            <a:off x="1023561" y="1436055"/>
+            <a:ext cx="6517065" cy="3665849"/>
+          </a:xfrm>
+          <a:prstGeom prst="rect">
+            <a:avLst/>
+          </a:prstGeom>
+        </p:spPr>
+      </p:pic>
+      <p:graphicFrame>
+        <p:nvGraphicFramePr>
+          <p:cNvPr id="7" name="Content Placeholder 6">
+            <a:extLst>
+              <a:ext uri="{FF2B5EF4-FFF2-40B4-BE49-F238E27FC236}">
+                <a16:creationId xmlns:a16="http://schemas.microsoft.com/office/drawing/2014/main" id="{5DFECB2B-6519-E94F-90DC-18A03FAB05DB}"/>
+              </a:ext>
+            </a:extLst>
+          </p:cNvPr>
+          <p:cNvGraphicFramePr>
+            <a:graphicFrameLocks noGrp="1"/>
+          </p:cNvGraphicFramePr>
+          <p:nvPr>
+            <p:ph idx="1"/>
+            <p:extLst>
+              <p:ext uri="{D42A27DB-BD31-4B8C-83A1-F6EECF244321}">
+                <p14:modId xmlns:p14="http://schemas.microsoft.com/office/powerpoint/2010/main" val="2809934539"/>
+              </p:ext>
+            </p:extLst>
+          </p:nvPr>
+        </p:nvGraphicFramePr>
+        <p:xfrm>
+          <a:off x="8044249" y="2311880"/>
+          <a:ext cx="3066574" cy="2790024"/>
+        </p:xfrm>
+        <a:graphic>
+          <a:graphicData uri="http://schemas.openxmlformats.org/drawingml/2006/table">
+            <a:tbl>
+              <a:tblPr>
+                <a:tableStyleId>{3C2FFA5D-87B4-456A-9821-1D502468CF0F}</a:tableStyleId>
+              </a:tblPr>
+              <a:tblGrid>
+                <a:gridCol w="1539698">
+                  <a:extLst>
+                    <a:ext uri="{9D8B030D-6E8A-4147-A177-3AD203B41FA5}">
+                      <a16:colId xmlns:a16="http://schemas.microsoft.com/office/drawing/2014/main" val="1965256872"/>
+                    </a:ext>
+                  </a:extLst>
+                </a:gridCol>
+                <a:gridCol w="1526876">
+                  <a:extLst>
+                    <a:ext uri="{9D8B030D-6E8A-4147-A177-3AD203B41FA5}">
+                      <a16:colId xmlns:a16="http://schemas.microsoft.com/office/drawing/2014/main" val="388227366"/>
+                    </a:ext>
+                  </a:extLst>
+                </a:gridCol>
+              </a:tblGrid>
+              <a:tr h="725270">
+                <a:tc>
+                  <a:txBody>
+                    <a:bodyPr/>
+                    <a:lstStyle/>
+                    <a:p>
+                      <a:pPr algn="l" fontAlgn="b"/>
+                      <a:r>
+                        <a:rPr lang="en-US" sz="2400" b="1" u="none" strike="noStrike" dirty="0">
+                          <a:effectLst/>
+                        </a:rPr>
+                        <a:t>Mean</a:t>
+                      </a:r>
+                      <a:endParaRPr lang="en-US" sz="2400" b="1" i="0" u="none" strike="noStrike" dirty="0">
+                        <a:solidFill>
+                          <a:srgbClr val="000000"/>
+                        </a:solidFill>
+                        <a:effectLst/>
+                        <a:latin typeface="Calibri" panose="020F0502020204030204" pitchFamily="34" charset="0"/>
+                      </a:endParaRPr>
+                    </a:p>
+                  </a:txBody>
+                  <a:tcPr marL="9525" marR="9525" marT="9525" marB="0" anchor="b"/>
+                </a:tc>
+                <a:tc>
+                  <a:txBody>
+                    <a:bodyPr/>
+                    <a:lstStyle/>
+                    <a:p>
+                      <a:pPr algn="r" fontAlgn="b"/>
+                      <a:r>
+                        <a:rPr lang="en-US" sz="2400" b="1" u="none" strike="noStrike" dirty="0">
+                          <a:effectLst/>
+                        </a:rPr>
+                        <a:t>97.685</a:t>
+                      </a:r>
+                      <a:endParaRPr lang="en-US" sz="2400" b="1" i="0" u="none" strike="noStrike" dirty="0">
+                        <a:solidFill>
+                          <a:srgbClr val="000000"/>
+                        </a:solidFill>
+                        <a:effectLst/>
+                        <a:latin typeface="Calibri" panose="020F0502020204030204" pitchFamily="34" charset="0"/>
+                      </a:endParaRPr>
+                    </a:p>
+                  </a:txBody>
+                  <a:tcPr marL="9525" marR="9525" marT="9525" marB="0" anchor="b"/>
+                </a:tc>
+                <a:extLst>
+                  <a:ext uri="{0D108BD9-81ED-4DB2-BD59-A6C34878D82A}">
+                    <a16:rowId xmlns:a16="http://schemas.microsoft.com/office/drawing/2014/main" val="2565491827"/>
+                  </a:ext>
+                </a:extLst>
+              </a:tr>
+              <a:tr h="725270">
+                <a:tc>
+                  <a:txBody>
+                    <a:bodyPr/>
+                    <a:lstStyle/>
+                    <a:p>
+                      <a:pPr algn="l" fontAlgn="b"/>
+                      <a:r>
+                        <a:rPr lang="en-US" sz="2400" b="1" u="none" strike="noStrike" dirty="0">
+                          <a:effectLst/>
+                        </a:rPr>
+                        <a:t>Median</a:t>
+                      </a:r>
+                      <a:endParaRPr lang="en-US" sz="2400" b="1" i="0" u="none" strike="noStrike" dirty="0">
+                        <a:solidFill>
+                          <a:srgbClr val="000000"/>
+                        </a:solidFill>
+                        <a:effectLst/>
+                        <a:latin typeface="Calibri" panose="020F0502020204030204" pitchFamily="34" charset="0"/>
+                      </a:endParaRPr>
+                    </a:p>
+                  </a:txBody>
+                  <a:tcPr marL="9525" marR="9525" marT="9525" marB="0" anchor="b"/>
+                </a:tc>
+                <a:tc>
+                  <a:txBody>
+                    <a:bodyPr/>
+                    <a:lstStyle/>
+                    <a:p>
+                      <a:pPr algn="r" fontAlgn="b"/>
+                      <a:r>
+                        <a:rPr lang="en-US" sz="2400" b="1" u="none" strike="noStrike" dirty="0">
+                          <a:effectLst/>
+                        </a:rPr>
+                        <a:t>98.1</a:t>
+                      </a:r>
+                      <a:endParaRPr lang="en-US" sz="2400" b="1" i="0" u="none" strike="noStrike" dirty="0">
+                        <a:solidFill>
+                          <a:srgbClr val="000000"/>
+                        </a:solidFill>
+                        <a:effectLst/>
+                        <a:latin typeface="Calibri" panose="020F0502020204030204" pitchFamily="34" charset="0"/>
+                      </a:endParaRPr>
+                    </a:p>
+                  </a:txBody>
+                  <a:tcPr marL="9525" marR="9525" marT="9525" marB="0" anchor="b"/>
+                </a:tc>
+                <a:extLst>
+                  <a:ext uri="{0D108BD9-81ED-4DB2-BD59-A6C34878D82A}">
+                    <a16:rowId xmlns:a16="http://schemas.microsoft.com/office/drawing/2014/main" val="1607197020"/>
+                  </a:ext>
+                </a:extLst>
+              </a:tr>
+              <a:tr h="1339484">
+                <a:tc>
+                  <a:txBody>
+                    <a:bodyPr/>
+                    <a:lstStyle/>
+                    <a:p>
+                      <a:pPr algn="l" fontAlgn="b"/>
+                      <a:r>
+                        <a:rPr lang="en-US" sz="2400" b="1" u="none" strike="noStrike" dirty="0" err="1">
+                          <a:effectLst/>
+                        </a:rPr>
+                        <a:t>Std</a:t>
+                      </a:r>
+                      <a:r>
+                        <a:rPr lang="en-US" sz="2400" b="1" u="none" strike="noStrike" dirty="0">
+                          <a:effectLst/>
+                        </a:rPr>
+                        <a:t> Dev</a:t>
+                      </a:r>
+                      <a:endParaRPr lang="en-US" sz="2400" b="1" i="0" u="none" strike="noStrike" dirty="0">
+                        <a:solidFill>
+                          <a:srgbClr val="000000"/>
+                        </a:solidFill>
+                        <a:effectLst/>
+                        <a:latin typeface="Calibri" panose="020F0502020204030204" pitchFamily="34" charset="0"/>
+                      </a:endParaRPr>
+                    </a:p>
+                  </a:txBody>
+                  <a:tcPr marL="9525" marR="9525" marT="9525" marB="0" anchor="b"/>
+                </a:tc>
+                <a:tc>
+                  <a:txBody>
+                    <a:bodyPr/>
+                    <a:lstStyle/>
+                    <a:p>
+                      <a:pPr algn="r" fontAlgn="b"/>
+                      <a:r>
+                        <a:rPr lang="en-US" sz="2400" b="1" u="none" strike="noStrike" dirty="0">
+                          <a:effectLst/>
+                        </a:rPr>
+                        <a:t>2.073</a:t>
+                      </a:r>
+                      <a:endParaRPr lang="en-US" sz="2400" b="1" i="0" u="none" strike="noStrike" dirty="0">
+                        <a:solidFill>
+                          <a:srgbClr val="000000"/>
+                        </a:solidFill>
+                        <a:effectLst/>
+                        <a:latin typeface="Calibri" panose="020F0502020204030204" pitchFamily="34" charset="0"/>
+                      </a:endParaRPr>
+                    </a:p>
+                  </a:txBody>
+                  <a:tcPr marL="9525" marR="9525" marT="9525" marB="0" anchor="b"/>
+                </a:tc>
+                <a:extLst>
+                  <a:ext uri="{0D108BD9-81ED-4DB2-BD59-A6C34878D82A}">
+                    <a16:rowId xmlns:a16="http://schemas.microsoft.com/office/drawing/2014/main" val="907939630"/>
+                  </a:ext>
+                </a:extLst>
+              </a:tr>
+            </a:tbl>
+          </a:graphicData>
+        </a:graphic>
+      </p:graphicFrame>
+    </p:spTree>
+    <p:extLst>
+      <p:ext uri="{BB962C8B-B14F-4D97-AF65-F5344CB8AC3E}">
+        <p14:creationId xmlns:p14="http://schemas.microsoft.com/office/powerpoint/2010/main" val="3080865430"/>
+      </p:ext>
+    </p:extLst>
+  </p:cSld>
+  <p:clrMapOvr>
+    <a:masterClrMapping/>
+  </p:clrMapOvr>
+</p:sld>
+</file>
+
+<file path=ppt/slides/slide5.xml><?xml version="1.0" encoding="utf-8"?>
+<p:sld xmlns:a="http://schemas.openxmlformats.org/drawingml/2006/main" xmlns:r="http://schemas.openxmlformats.org/officeDocument/2006/relationships" xmlns:p="http://schemas.openxmlformats.org/presentationml/2006/main">
+  <p:cSld>
+    <p:spTree>
+      <p:nvGrpSpPr>
+        <p:cNvPr id="1" name=""/>
+        <p:cNvGrpSpPr/>
+        <p:nvPr/>
+      </p:nvGrpSpPr>
+      <p:grpSpPr>
+        <a:xfrm>
+          <a:off x="0" y="0"/>
+          <a:ext cx="0" cy="0"/>
+          <a:chOff x="0" y="0"/>
+          <a:chExt cx="0" cy="0"/>
+        </a:xfrm>
+      </p:grpSpPr>
+      <p:sp>
+        <p:nvSpPr>
+          <p:cNvPr id="4" name="Title 3">
+            <a:extLst>
+              <a:ext uri="{FF2B5EF4-FFF2-40B4-BE49-F238E27FC236}">
+                <a16:creationId xmlns:a16="http://schemas.microsoft.com/office/drawing/2014/main" id="{1EFCBFC3-B5EF-2F43-81F5-ABF3DE93D265}"/>
+              </a:ext>
+            </a:extLst>
+          </p:cNvPr>
+          <p:cNvSpPr>
+            <a:spLocks noGrp="1"/>
+          </p:cNvSpPr>
+          <p:nvPr>
+            <p:ph type="title"/>
+          </p:nvPr>
+        </p:nvSpPr>
+        <p:spPr/>
+        <p:txBody>
+          <a:bodyPr/>
+          <a:lstStyle/>
+          <a:p>
+            <a:r>
+              <a:rPr lang="en-US" dirty="0"/>
+              <a:t>Homework 2</a:t>
+            </a:r>
+          </a:p>
+        </p:txBody>
+      </p:sp>
+      <p:sp>
+        <p:nvSpPr>
+          <p:cNvPr id="5" name="Text Placeholder 4">
+            <a:extLst>
+              <a:ext uri="{FF2B5EF4-FFF2-40B4-BE49-F238E27FC236}">
+                <a16:creationId xmlns:a16="http://schemas.microsoft.com/office/drawing/2014/main" id="{D118D5FA-578C-CC40-BFF1-A428EECEA1CB}"/>
+              </a:ext>
+            </a:extLst>
+          </p:cNvPr>
+          <p:cNvSpPr>
+            <a:spLocks noGrp="1"/>
+          </p:cNvSpPr>
+          <p:nvPr>
+            <p:ph type="body" idx="1"/>
+          </p:nvPr>
+        </p:nvSpPr>
+        <p:spPr/>
+        <p:txBody>
+          <a:bodyPr/>
+          <a:lstStyle/>
+          <a:p>
+            <a:endParaRPr lang="en-US"/>
+          </a:p>
+        </p:txBody>
+      </p:sp>
+    </p:spTree>
+    <p:extLst>
+      <p:ext uri="{BB962C8B-B14F-4D97-AF65-F5344CB8AC3E}">
+        <p14:creationId xmlns:p14="http://schemas.microsoft.com/office/powerpoint/2010/main" val="790812827"/>
+      </p:ext>
+    </p:extLst>
+  </p:cSld>
+  <p:clrMapOvr>
+    <a:masterClrMapping/>
+  </p:clrMapOvr>
+</p:sld>
+</file>
+
+<file path=ppt/slides/slide6.xml><?xml version="1.0" encoding="utf-8"?>
+<p:sld xmlns:a="http://schemas.openxmlformats.org/drawingml/2006/main" xmlns:r="http://schemas.openxmlformats.org/officeDocument/2006/relationships" xmlns:p="http://schemas.openxmlformats.org/presentationml/2006/main">
+  <p:cSld>
+    <p:spTree>
+      <p:nvGrpSpPr>
+        <p:cNvPr id="1" name=""/>
+        <p:cNvGrpSpPr/>
+        <p:nvPr/>
+      </p:nvGrpSpPr>
+      <p:grpSpPr>
+        <a:xfrm>
+          <a:off x="0" y="0"/>
+          <a:ext cx="0" cy="0"/>
+          <a:chOff x="0" y="0"/>
+          <a:chExt cx="0" cy="0"/>
+        </a:xfrm>
+      </p:grpSpPr>
+      <p:sp>
+        <p:nvSpPr>
+          <p:cNvPr id="2" name="Title 1">
+            <a:extLst>
+              <a:ext uri="{FF2B5EF4-FFF2-40B4-BE49-F238E27FC236}">
+                <a16:creationId xmlns:a16="http://schemas.microsoft.com/office/drawing/2014/main" id="{BF6400D5-699B-0445-BDF7-4A990D21C15E}"/>
+              </a:ext>
+            </a:extLst>
+          </p:cNvPr>
+          <p:cNvSpPr>
+            <a:spLocks noGrp="1"/>
+          </p:cNvSpPr>
+          <p:nvPr>
+            <p:ph type="title"/>
+          </p:nvPr>
+        </p:nvSpPr>
+        <p:spPr/>
+        <p:txBody>
+          <a:bodyPr>
+            <a:normAutofit fontScale="90000"/>
+          </a:bodyPr>
+          <a:lstStyle/>
+          <a:p>
+            <a:r>
+              <a:rPr lang="en-US" b="1" dirty="0"/>
+              <a:t>Homework 2: UI and Visuals that talk to each other</a:t>
+            </a:r>
+            <a:br>
+              <a:rPr lang="en-US" b="1" dirty="0"/>
+            </a:br>
+            <a:endParaRPr lang="en-US" dirty="0"/>
+          </a:p>
+        </p:txBody>
+      </p:sp>
+      <p:sp>
+        <p:nvSpPr>
+          <p:cNvPr id="3" name="Content Placeholder 2">
+            <a:extLst>
+              <a:ext uri="{FF2B5EF4-FFF2-40B4-BE49-F238E27FC236}">
+                <a16:creationId xmlns:a16="http://schemas.microsoft.com/office/drawing/2014/main" id="{580ECDA6-27DA-D642-9CC4-0B813341422E}"/>
+              </a:ext>
+            </a:extLst>
+          </p:cNvPr>
+          <p:cNvSpPr>
+            <a:spLocks noGrp="1"/>
+          </p:cNvSpPr>
+          <p:nvPr>
+            <p:ph idx="1"/>
+          </p:nvPr>
+        </p:nvSpPr>
+        <p:spPr/>
+        <p:txBody>
+          <a:bodyPr>
+            <a:normAutofit fontScale="92500" lnSpcReduction="20000"/>
+          </a:bodyPr>
+          <a:lstStyle/>
+          <a:p>
+            <a:pPr marL="0" indent="0">
+              <a:buNone/>
+            </a:pPr>
+            <a:r>
+              <a:rPr lang="en-US" dirty="0"/>
+              <a:t>Use </a:t>
+            </a:r>
+            <a:r>
+              <a:rPr lang="en-US" dirty="0" err="1"/>
+              <a:t>plotly</a:t>
+            </a:r>
+            <a:r>
+              <a:rPr lang="en-US" dirty="0"/>
+              <a:t> (with or without the aid of ggplot2) to create three (3) different kinds of figures and one (1) data table. Include at least three (3) types of inputs. On the server side your plots and tables must utilize the reactive function for any and all datasets.</a:t>
+            </a:r>
+          </a:p>
+          <a:p>
+            <a:endParaRPr lang="en-US" dirty="0"/>
+          </a:p>
+          <a:p>
+            <a:pPr marL="0" indent="0">
+              <a:buNone/>
+            </a:pPr>
+            <a:r>
+              <a:rPr lang="en-US" dirty="0"/>
+              <a:t>Data Resources:</a:t>
+            </a:r>
+          </a:p>
+          <a:p>
+            <a:pPr lvl="0"/>
+            <a:r>
+              <a:rPr lang="en-US" dirty="0"/>
+              <a:t>WPRDC: </a:t>
+            </a:r>
+            <a:r>
+              <a:rPr lang="en-US" u="sng" dirty="0">
+                <a:hlinkClick r:id="rId2"/>
+              </a:rPr>
+              <a:t>https://data.wprdc.org/</a:t>
+            </a:r>
+            <a:endParaRPr lang="en-US" dirty="0"/>
+          </a:p>
+          <a:p>
+            <a:pPr lvl="0"/>
+            <a:r>
+              <a:rPr lang="en-US" dirty="0"/>
+              <a:t>Data World: </a:t>
+            </a:r>
+            <a:r>
+              <a:rPr lang="en-US" u="sng" dirty="0">
+                <a:hlinkClick r:id="rId3"/>
+              </a:rPr>
+              <a:t>https://data.world/datasets/data</a:t>
+            </a:r>
+            <a:endParaRPr lang="en-US" dirty="0"/>
+          </a:p>
+          <a:p>
+            <a:pPr lvl="0"/>
+            <a:r>
+              <a:rPr lang="en-US" dirty="0"/>
+              <a:t>US Open Data: </a:t>
+            </a:r>
+            <a:r>
+              <a:rPr lang="en-US" u="sng" dirty="0">
+                <a:hlinkClick r:id="rId4"/>
+              </a:rPr>
+              <a:t>https://www.data.gov/</a:t>
+            </a:r>
+            <a:endParaRPr lang="en-US" dirty="0"/>
+          </a:p>
+          <a:p>
+            <a:pPr lvl="0"/>
+            <a:r>
+              <a:rPr lang="en-US" dirty="0"/>
+              <a:t>EU Open Data: </a:t>
+            </a:r>
+            <a:r>
+              <a:rPr lang="en-US" u="sng" dirty="0">
+                <a:hlinkClick r:id="rId5"/>
+              </a:rPr>
+              <a:t>http://data.europa.eu/euodp/en/data/</a:t>
+            </a:r>
+            <a:endParaRPr lang="en-US" dirty="0"/>
+          </a:p>
+          <a:p>
+            <a:pPr lvl="0"/>
+            <a:r>
+              <a:rPr lang="en-US" dirty="0"/>
+              <a:t>Just about any major US City</a:t>
+            </a:r>
+          </a:p>
+          <a:p>
+            <a:pPr marL="0" indent="0">
+              <a:buNone/>
+            </a:pPr>
+            <a:endParaRPr lang="en-US" dirty="0"/>
+          </a:p>
+        </p:txBody>
+      </p:sp>
+    </p:spTree>
+    <p:extLst>
+      <p:ext uri="{BB962C8B-B14F-4D97-AF65-F5344CB8AC3E}">
+        <p14:creationId xmlns:p14="http://schemas.microsoft.com/office/powerpoint/2010/main" val="999653295"/>
+      </p:ext>
+    </p:extLst>
+  </p:cSld>
+  <p:clrMapOvr>
+    <a:masterClrMapping/>
+  </p:clrMapOvr>
+</p:sld>
+</file>
+
+<file path=ppt/slides/slide7.xml><?xml version="1.0" encoding="utf-8"?>
+<p:sld xmlns:a="http://schemas.openxmlformats.org/drawingml/2006/main" xmlns:r="http://schemas.openxmlformats.org/officeDocument/2006/relationships" xmlns:p="http://schemas.openxmlformats.org/presentationml/2006/main">
+  <p:cSld>
+    <p:spTree>
+      <p:nvGrpSpPr>
+        <p:cNvPr id="1" name=""/>
+        <p:cNvGrpSpPr/>
+        <p:nvPr/>
+      </p:nvGrpSpPr>
+      <p:grpSpPr>
+        <a:xfrm>
+          <a:off x="0" y="0"/>
+          <a:ext cx="0" cy="0"/>
+          <a:chOff x="0" y="0"/>
+          <a:chExt cx="0" cy="0"/>
+        </a:xfrm>
+      </p:grpSpPr>
+      <p:sp>
+        <p:nvSpPr>
           <p:cNvPr id="2" name="Title 1"/>
           <p:cNvSpPr>
             <a:spLocks noGrp="1"/>
@@ -5993,7 +7219,7 @@
 </p:sld>
 </file>
 
-<file path=ppt/slides/slide4.xml><?xml version="1.0" encoding="utf-8"?>
+<file path=ppt/slides/slide8.xml><?xml version="1.0" encoding="utf-8"?>
 <p:sld xmlns:a="http://schemas.openxmlformats.org/drawingml/2006/main" xmlns:r="http://schemas.openxmlformats.org/officeDocument/2006/relationships" xmlns:p="http://schemas.openxmlformats.org/presentationml/2006/main">
   <p:cSld>
     <p:spTree>
@@ -6149,445 +7375,6 @@
 </p:sld>
 </file>
 
-<file path=ppt/slides/slide5.xml><?xml version="1.0" encoding="utf-8"?>
-<p:sld xmlns:a="http://schemas.openxmlformats.org/drawingml/2006/main" xmlns:r="http://schemas.openxmlformats.org/officeDocument/2006/relationships" xmlns:p="http://schemas.openxmlformats.org/presentationml/2006/main">
-  <p:cSld>
-    <p:spTree>
-      <p:nvGrpSpPr>
-        <p:cNvPr id="1" name=""/>
-        <p:cNvGrpSpPr/>
-        <p:nvPr/>
-      </p:nvGrpSpPr>
-      <p:grpSpPr>
-        <a:xfrm>
-          <a:off x="0" y="0"/>
-          <a:ext cx="0" cy="0"/>
-          <a:chOff x="0" y="0"/>
-          <a:chExt cx="0" cy="0"/>
-        </a:xfrm>
-      </p:grpSpPr>
-      <p:sp>
-        <p:nvSpPr>
-          <p:cNvPr id="2" name="Title 1"/>
-          <p:cNvSpPr>
-            <a:spLocks noGrp="1"/>
-          </p:cNvSpPr>
-          <p:nvPr>
-            <p:ph type="title"/>
-          </p:nvPr>
-        </p:nvSpPr>
-        <p:spPr/>
-        <p:txBody>
-          <a:bodyPr/>
-          <a:lstStyle/>
-          <a:p>
-            <a:r>
-              <a:rPr lang="en-US" dirty="0"/>
-              <a:t>Bookmarking</a:t>
-            </a:r>
-          </a:p>
-        </p:txBody>
-      </p:sp>
-      <p:sp>
-        <p:nvSpPr>
-          <p:cNvPr id="3" name="Text Placeholder 2"/>
-          <p:cNvSpPr>
-            <a:spLocks noGrp="1"/>
-          </p:cNvSpPr>
-          <p:nvPr>
-            <p:ph type="body" idx="1"/>
-          </p:nvPr>
-        </p:nvSpPr>
-        <p:spPr/>
-        <p:txBody>
-          <a:bodyPr/>
-          <a:lstStyle/>
-          <a:p>
-            <a:endParaRPr lang="en-US" dirty="0"/>
-          </a:p>
-        </p:txBody>
-      </p:sp>
-    </p:spTree>
-    <p:extLst>
-      <p:ext uri="{BB962C8B-B14F-4D97-AF65-F5344CB8AC3E}">
-        <p14:creationId xmlns:p14="http://schemas.microsoft.com/office/powerpoint/2010/main" val="343025490"/>
-      </p:ext>
-    </p:extLst>
-  </p:cSld>
-  <p:clrMapOvr>
-    <a:masterClrMapping/>
-  </p:clrMapOvr>
-</p:sld>
-</file>
-
-<file path=ppt/slides/slide6.xml><?xml version="1.0" encoding="utf-8"?>
-<p:sld xmlns:a="http://schemas.openxmlformats.org/drawingml/2006/main" xmlns:r="http://schemas.openxmlformats.org/officeDocument/2006/relationships" xmlns:p="http://schemas.openxmlformats.org/presentationml/2006/main">
-  <p:cSld>
-    <p:spTree>
-      <p:nvGrpSpPr>
-        <p:cNvPr id="1" name=""/>
-        <p:cNvGrpSpPr/>
-        <p:nvPr/>
-      </p:nvGrpSpPr>
-      <p:grpSpPr>
-        <a:xfrm>
-          <a:off x="0" y="0"/>
-          <a:ext cx="0" cy="0"/>
-          <a:chOff x="0" y="0"/>
-          <a:chExt cx="0" cy="0"/>
-        </a:xfrm>
-      </p:grpSpPr>
-      <p:sp>
-        <p:nvSpPr>
-          <p:cNvPr id="2" name="Title 1">
-            <a:extLst>
-              <a:ext uri="{FF2B5EF4-FFF2-40B4-BE49-F238E27FC236}">
-                <a16:creationId xmlns:a16="http://schemas.microsoft.com/office/drawing/2014/main" id="{1F80188C-B273-574D-93FD-81B3C5EB152F}"/>
-              </a:ext>
-            </a:extLst>
-          </p:cNvPr>
-          <p:cNvSpPr>
-            <a:spLocks noGrp="1"/>
-          </p:cNvSpPr>
-          <p:nvPr>
-            <p:ph type="title"/>
-          </p:nvPr>
-        </p:nvSpPr>
-        <p:spPr/>
-        <p:txBody>
-          <a:bodyPr/>
-          <a:lstStyle/>
-          <a:p>
-            <a:r>
-              <a:rPr lang="en-US" dirty="0"/>
-              <a:t>What is bookmarking?</a:t>
-            </a:r>
-          </a:p>
-        </p:txBody>
-      </p:sp>
-      <p:sp>
-        <p:nvSpPr>
-          <p:cNvPr id="3" name="Content Placeholder 2">
-            <a:extLst>
-              <a:ext uri="{FF2B5EF4-FFF2-40B4-BE49-F238E27FC236}">
-                <a16:creationId xmlns:a16="http://schemas.microsoft.com/office/drawing/2014/main" id="{E0E1F3A6-DE4B-9049-9F7A-D801830EADAA}"/>
-              </a:ext>
-            </a:extLst>
-          </p:cNvPr>
-          <p:cNvSpPr>
-            <a:spLocks noGrp="1"/>
-          </p:cNvSpPr>
-          <p:nvPr>
-            <p:ph idx="1"/>
-          </p:nvPr>
-        </p:nvSpPr>
-        <p:spPr/>
-        <p:txBody>
-          <a:bodyPr/>
-          <a:lstStyle/>
-          <a:p>
-            <a:r>
-              <a:rPr lang="en-US" dirty="0"/>
-              <a:t>Bookmarking allows you to save application states so users can easily access their settings</a:t>
-            </a:r>
-          </a:p>
-          <a:p>
-            <a:r>
-              <a:rPr lang="en-US" dirty="0"/>
-              <a:t>Not all of your inputs have to be available, you can create a blacklist of inputs using the </a:t>
-            </a:r>
-            <a:r>
-              <a:rPr lang="en-US" dirty="0" err="1"/>
-              <a:t>setBookmarkExclude</a:t>
-            </a:r>
-            <a:r>
-              <a:rPr lang="en-US" dirty="0"/>
-              <a:t>() function</a:t>
-            </a:r>
-          </a:p>
-          <a:p>
-            <a:r>
-              <a:rPr lang="en-US" dirty="0"/>
-              <a:t>There are two methods of Bookmarking, Server and URL</a:t>
-            </a:r>
-          </a:p>
-          <a:p>
-            <a:endParaRPr lang="en-US" dirty="0"/>
-          </a:p>
-        </p:txBody>
-      </p:sp>
-    </p:spTree>
-    <p:extLst>
-      <p:ext uri="{BB962C8B-B14F-4D97-AF65-F5344CB8AC3E}">
-        <p14:creationId xmlns:p14="http://schemas.microsoft.com/office/powerpoint/2010/main" val="755108132"/>
-      </p:ext>
-    </p:extLst>
-  </p:cSld>
-  <p:clrMapOvr>
-    <a:masterClrMapping/>
-  </p:clrMapOvr>
-</p:sld>
-</file>
-
-<file path=ppt/slides/slide7.xml><?xml version="1.0" encoding="utf-8"?>
-<p:sld xmlns:a="http://schemas.openxmlformats.org/drawingml/2006/main" xmlns:r="http://schemas.openxmlformats.org/officeDocument/2006/relationships" xmlns:p="http://schemas.openxmlformats.org/presentationml/2006/main">
-  <p:cSld>
-    <p:spTree>
-      <p:nvGrpSpPr>
-        <p:cNvPr id="1" name=""/>
-        <p:cNvGrpSpPr/>
-        <p:nvPr/>
-      </p:nvGrpSpPr>
-      <p:grpSpPr>
-        <a:xfrm>
-          <a:off x="0" y="0"/>
-          <a:ext cx="0" cy="0"/>
-          <a:chOff x="0" y="0"/>
-          <a:chExt cx="0" cy="0"/>
-        </a:xfrm>
-      </p:grpSpPr>
-      <p:sp>
-        <p:nvSpPr>
-          <p:cNvPr id="4" name="Title 3">
-            <a:extLst>
-              <a:ext uri="{FF2B5EF4-FFF2-40B4-BE49-F238E27FC236}">
-                <a16:creationId xmlns:a16="http://schemas.microsoft.com/office/drawing/2014/main" id="{42904770-9705-CD4D-8751-E28FBA3E06A8}"/>
-              </a:ext>
-            </a:extLst>
-          </p:cNvPr>
-          <p:cNvSpPr>
-            <a:spLocks noGrp="1"/>
-          </p:cNvSpPr>
-          <p:nvPr>
-            <p:ph type="title"/>
-          </p:nvPr>
-        </p:nvSpPr>
-        <p:spPr/>
-        <p:txBody>
-          <a:bodyPr/>
-          <a:lstStyle/>
-          <a:p>
-            <a:r>
-              <a:rPr lang="en-US" dirty="0"/>
-              <a:t>Bookmarking</a:t>
-            </a:r>
-          </a:p>
-        </p:txBody>
-      </p:sp>
-      <p:sp>
-        <p:nvSpPr>
-          <p:cNvPr id="5" name="Content Placeholder 4">
-            <a:extLst>
-              <a:ext uri="{FF2B5EF4-FFF2-40B4-BE49-F238E27FC236}">
-                <a16:creationId xmlns:a16="http://schemas.microsoft.com/office/drawing/2014/main" id="{919C5A85-B2F5-5A41-87BD-FBE78520C842}"/>
-              </a:ext>
-            </a:extLst>
-          </p:cNvPr>
-          <p:cNvSpPr>
-            <a:spLocks noGrp="1"/>
-          </p:cNvSpPr>
-          <p:nvPr>
-            <p:ph sz="half" idx="1"/>
-          </p:nvPr>
-        </p:nvSpPr>
-        <p:spPr/>
-        <p:txBody>
-          <a:bodyPr/>
-          <a:lstStyle/>
-          <a:p>
-            <a:r>
-              <a:rPr lang="en-US" dirty="0"/>
-              <a:t>Server side</a:t>
-            </a:r>
-          </a:p>
-          <a:p>
-            <a:pPr lvl="1"/>
-            <a:r>
-              <a:rPr lang="en-US" dirty="0"/>
-              <a:t>Remembers people’s settings using cookies</a:t>
-            </a:r>
-          </a:p>
-          <a:p>
-            <a:pPr lvl="1"/>
-            <a:r>
-              <a:rPr lang="en-US" dirty="0"/>
-              <a:t>Specific button created for saving the state on the server side</a:t>
-            </a:r>
-          </a:p>
-          <a:p>
-            <a:pPr lvl="1"/>
-            <a:r>
-              <a:rPr lang="en-US" dirty="0"/>
-              <a:t>States are saved on the server and loaded</a:t>
-            </a:r>
-          </a:p>
-        </p:txBody>
-      </p:sp>
-      <p:sp>
-        <p:nvSpPr>
-          <p:cNvPr id="6" name="Content Placeholder 5">
-            <a:extLst>
-              <a:ext uri="{FF2B5EF4-FFF2-40B4-BE49-F238E27FC236}">
-                <a16:creationId xmlns:a16="http://schemas.microsoft.com/office/drawing/2014/main" id="{7AB31F04-DD44-6B49-B643-AF9A7889BF78}"/>
-              </a:ext>
-            </a:extLst>
-          </p:cNvPr>
-          <p:cNvSpPr>
-            <a:spLocks noGrp="1"/>
-          </p:cNvSpPr>
-          <p:nvPr>
-            <p:ph sz="half" idx="2"/>
-          </p:nvPr>
-        </p:nvSpPr>
-        <p:spPr/>
-        <p:txBody>
-          <a:bodyPr/>
-          <a:lstStyle/>
-          <a:p>
-            <a:r>
-              <a:rPr lang="en-US" dirty="0"/>
-              <a:t>URL Side</a:t>
-            </a:r>
-          </a:p>
-          <a:p>
-            <a:pPr lvl="1"/>
-            <a:r>
-              <a:rPr lang="en-US" dirty="0"/>
-              <a:t>Translates URL into the input settings of your application</a:t>
-            </a:r>
-          </a:p>
-          <a:p>
-            <a:pPr lvl="1"/>
-            <a:r>
-              <a:rPr lang="en-US" dirty="0"/>
-              <a:t>Either a button can be added to the UI or Shiny can dynamically update the URL so a user can bookmark it</a:t>
-            </a:r>
-          </a:p>
-          <a:p>
-            <a:pPr lvl="1"/>
-            <a:endParaRPr lang="en-US" dirty="0"/>
-          </a:p>
-        </p:txBody>
-      </p:sp>
-    </p:spTree>
-    <p:extLst>
-      <p:ext uri="{BB962C8B-B14F-4D97-AF65-F5344CB8AC3E}">
-        <p14:creationId xmlns:p14="http://schemas.microsoft.com/office/powerpoint/2010/main" val="1673372546"/>
-      </p:ext>
-    </p:extLst>
-  </p:cSld>
-  <p:clrMapOvr>
-    <a:masterClrMapping/>
-  </p:clrMapOvr>
-</p:sld>
-</file>
-
-<file path=ppt/slides/slide8.xml><?xml version="1.0" encoding="utf-8"?>
-<p:sld xmlns:a="http://schemas.openxmlformats.org/drawingml/2006/main" xmlns:r="http://schemas.openxmlformats.org/officeDocument/2006/relationships" xmlns:p="http://schemas.openxmlformats.org/presentationml/2006/main">
-  <p:cSld>
-    <p:spTree>
-      <p:nvGrpSpPr>
-        <p:cNvPr id="1" name=""/>
-        <p:cNvGrpSpPr/>
-        <p:nvPr/>
-      </p:nvGrpSpPr>
-      <p:grpSpPr>
-        <a:xfrm>
-          <a:off x="0" y="0"/>
-          <a:ext cx="0" cy="0"/>
-          <a:chOff x="0" y="0"/>
-          <a:chExt cx="0" cy="0"/>
-        </a:xfrm>
-      </p:grpSpPr>
-      <p:sp>
-        <p:nvSpPr>
-          <p:cNvPr id="2" name="Title 1"/>
-          <p:cNvSpPr>
-            <a:spLocks noGrp="1"/>
-          </p:cNvSpPr>
-          <p:nvPr>
-            <p:ph type="title"/>
-          </p:nvPr>
-        </p:nvSpPr>
-        <p:spPr/>
-        <p:txBody>
-          <a:bodyPr/>
-          <a:lstStyle/>
-          <a:p>
-            <a:r>
-              <a:rPr lang="en-US" dirty="0"/>
-              <a:t>URL Bookmarking Example</a:t>
-            </a:r>
-          </a:p>
-        </p:txBody>
-      </p:sp>
-      <p:pic>
-        <p:nvPicPr>
-          <p:cNvPr id="3" name="Picture 2"/>
-          <p:cNvPicPr>
-            <a:picLocks noChangeAspect="1"/>
-          </p:cNvPicPr>
-          <p:nvPr/>
-        </p:nvPicPr>
-        <p:blipFill>
-          <a:blip r:embed="rId2"/>
-          <a:stretch>
-            <a:fillRect/>
-          </a:stretch>
-        </p:blipFill>
-        <p:spPr>
-          <a:xfrm>
-            <a:off x="2062120" y="4833697"/>
-            <a:ext cx="6046601" cy="473529"/>
-          </a:xfrm>
-          <a:prstGeom prst="rect">
-            <a:avLst/>
-          </a:prstGeom>
-        </p:spPr>
-      </p:pic>
-      <p:pic>
-        <p:nvPicPr>
-          <p:cNvPr id="6" name="Picture 5">
-            <a:extLst>
-              <a:ext uri="{FF2B5EF4-FFF2-40B4-BE49-F238E27FC236}">
-                <a16:creationId xmlns:a16="http://schemas.microsoft.com/office/drawing/2014/main" id="{4BA98C6E-86C5-1641-ABCF-CEFD3443577F}"/>
-              </a:ext>
-            </a:extLst>
-          </p:cNvPr>
-          <p:cNvPicPr>
-            <a:picLocks noChangeAspect="1"/>
-          </p:cNvPicPr>
-          <p:nvPr/>
-        </p:nvPicPr>
-        <p:blipFill>
-          <a:blip r:embed="rId3"/>
-          <a:stretch>
-            <a:fillRect/>
-          </a:stretch>
-        </p:blipFill>
-        <p:spPr>
-          <a:xfrm>
-            <a:off x="2062120" y="2012263"/>
-            <a:ext cx="5778500" cy="1968500"/>
-          </a:xfrm>
-          <a:prstGeom prst="rect">
-            <a:avLst/>
-          </a:prstGeom>
-        </p:spPr>
-      </p:pic>
-    </p:spTree>
-    <p:extLst>
-      <p:ext uri="{BB962C8B-B14F-4D97-AF65-F5344CB8AC3E}">
-        <p14:creationId xmlns:p14="http://schemas.microsoft.com/office/powerpoint/2010/main" val="2309609018"/>
-      </p:ext>
-    </p:extLst>
-  </p:cSld>
-  <p:clrMapOvr>
-    <a:masterClrMapping/>
-  </p:clrMapOvr>
-</p:sld>
-</file>
-
 <file path=ppt/slides/slide9.xml><?xml version="1.0" encoding="utf-8"?>
 <p:sld xmlns:a="http://schemas.openxmlformats.org/drawingml/2006/main" xmlns:r="http://schemas.openxmlformats.org/officeDocument/2006/relationships" xmlns:p="http://schemas.openxmlformats.org/presentationml/2006/main">
   <p:cSld>
@@ -6607,13 +7394,7 @@
       </p:grpSpPr>
       <p:sp>
         <p:nvSpPr>
-          <p:cNvPr id="2" name="Title 1">
-            <a:extLst>
-              <a:ext uri="{FF2B5EF4-FFF2-40B4-BE49-F238E27FC236}">
-                <a16:creationId xmlns:a16="http://schemas.microsoft.com/office/drawing/2014/main" id="{5A593E9A-FC2C-7B43-84DE-538E676A9FC3}"/>
-              </a:ext>
-            </a:extLst>
-          </p:cNvPr>
+          <p:cNvPr id="2" name="Title 1"/>
           <p:cNvSpPr>
             <a:spLocks noGrp="1"/>
           </p:cNvSpPr>
@@ -6627,70 +7408,26 @@
           <a:lstStyle/>
           <a:p>
             <a:r>
-              <a:rPr lang="en-US" dirty="0" err="1"/>
-              <a:t>onRestore</a:t>
-            </a:r>
-            <a:r>
-              <a:rPr lang="en-US" dirty="0"/>
-              <a:t>()/</a:t>
-            </a:r>
-            <a:r>
-              <a:rPr lang="en-US" dirty="0" err="1"/>
-              <a:t>onRestored</a:t>
-            </a:r>
-            <a:r>
-              <a:rPr lang="en-US" dirty="0"/>
-              <a:t>()</a:t>
-            </a:r>
-          </a:p>
-        </p:txBody>
-      </p:sp>
-      <p:sp>
-        <p:nvSpPr>
-          <p:cNvPr id="5" name="Content Placeholder 4">
-            <a:extLst>
-              <a:ext uri="{FF2B5EF4-FFF2-40B4-BE49-F238E27FC236}">
-                <a16:creationId xmlns:a16="http://schemas.microsoft.com/office/drawing/2014/main" id="{D66CCA76-35F7-4A48-9F2E-15A6D1F09830}"/>
-              </a:ext>
-            </a:extLst>
-          </p:cNvPr>
-          <p:cNvSpPr>
-            <a:spLocks noGrp="1"/>
-          </p:cNvSpPr>
-          <p:nvPr>
-            <p:ph idx="1"/>
+              <a:rPr lang="en-US" dirty="0"/>
+              <a:t>Bookmarking</a:t>
+            </a:r>
+          </a:p>
+        </p:txBody>
+      </p:sp>
+      <p:sp>
+        <p:nvSpPr>
+          <p:cNvPr id="3" name="Text Placeholder 2"/>
+          <p:cNvSpPr>
+            <a:spLocks noGrp="1"/>
+          </p:cNvSpPr>
+          <p:nvPr>
+            <p:ph type="body" idx="1"/>
           </p:nvPr>
         </p:nvSpPr>
         <p:spPr/>
         <p:txBody>
           <a:bodyPr/>
           <a:lstStyle/>
-          <a:p>
-            <a:r>
-              <a:rPr lang="en-US" dirty="0"/>
-              <a:t>Unless you specify something using either of these functions, all inputs stored will restore when loading an app with bookmarking </a:t>
-            </a:r>
-          </a:p>
-          <a:p>
-            <a:r>
-              <a:rPr lang="en-US" dirty="0" err="1"/>
-              <a:t>onRestore</a:t>
-            </a:r>
-            <a:r>
-              <a:rPr lang="en-US" dirty="0"/>
-              <a:t>() can help implement some logic before restoring certain inputs, or save in a list to be used later.</a:t>
-            </a:r>
-          </a:p>
-          <a:p>
-            <a:r>
-              <a:rPr lang="en-US" dirty="0" err="1"/>
-              <a:t>onRestored</a:t>
-            </a:r>
-            <a:r>
-              <a:rPr lang="en-US" dirty="0"/>
-              <a:t>() runs after the application has been restored. Can be used to send update to the user.</a:t>
-            </a:r>
-          </a:p>
           <a:p>
             <a:endParaRPr lang="en-US" dirty="0"/>
           </a:p>
@@ -6699,7 +7436,7 @@
     </p:spTree>
     <p:extLst>
       <p:ext uri="{BB962C8B-B14F-4D97-AF65-F5344CB8AC3E}">
-        <p14:creationId xmlns:p14="http://schemas.microsoft.com/office/powerpoint/2010/main" val="2360759137"/>
+        <p14:creationId xmlns:p14="http://schemas.microsoft.com/office/powerpoint/2010/main" val="343025490"/>
       </p:ext>
     </p:extLst>
   </p:cSld>

--- a/Class 5.pptx
+++ b/Class 5.pptx
@@ -309,7 +309,7 @@
           <a:p>
             <a:fld id="{DB10E5C9-23B2-4A4E-92AB-29D98A655667}" type="datetimeFigureOut">
               <a:rPr lang="en-US" smtClean="0"/>
-              <a:t>9/10/18</a:t>
+              <a:t>9/11/18</a:t>
             </a:fld>
             <a:endParaRPr lang="en-US"/>
           </a:p>
@@ -639,7 +639,7 @@
           <a:p>
             <a:fld id="{DB10E5C9-23B2-4A4E-92AB-29D98A655667}" type="datetimeFigureOut">
               <a:rPr lang="en-US" smtClean="0"/>
-              <a:t>9/10/18</a:t>
+              <a:t>9/11/18</a:t>
             </a:fld>
             <a:endParaRPr lang="en-US"/>
           </a:p>
@@ -819,7 +819,7 @@
           <a:p>
             <a:fld id="{DB10E5C9-23B2-4A4E-92AB-29D98A655667}" type="datetimeFigureOut">
               <a:rPr lang="en-US" smtClean="0"/>
-              <a:t>9/10/18</a:t>
+              <a:t>9/11/18</a:t>
             </a:fld>
             <a:endParaRPr lang="en-US"/>
           </a:p>
@@ -989,7 +989,7 @@
           <a:p>
             <a:fld id="{DB10E5C9-23B2-4A4E-92AB-29D98A655667}" type="datetimeFigureOut">
               <a:rPr lang="en-US" smtClean="0"/>
-              <a:t>9/10/18</a:t>
+              <a:t>9/11/18</a:t>
             </a:fld>
             <a:endParaRPr lang="en-US"/>
           </a:p>
@@ -1266,7 +1266,7 @@
           <a:p>
             <a:fld id="{DB10E5C9-23B2-4A4E-92AB-29D98A655667}" type="datetimeFigureOut">
               <a:rPr lang="en-US" smtClean="0"/>
-              <a:t>9/10/18</a:t>
+              <a:t>9/11/18</a:t>
             </a:fld>
             <a:endParaRPr lang="en-US"/>
           </a:p>
@@ -1660,7 +1660,7 @@
           <a:p>
             <a:fld id="{DB10E5C9-23B2-4A4E-92AB-29D98A655667}" type="datetimeFigureOut">
               <a:rPr lang="en-US" smtClean="0"/>
-              <a:t>9/10/18</a:t>
+              <a:t>9/11/18</a:t>
             </a:fld>
             <a:endParaRPr lang="en-US"/>
           </a:p>
@@ -2137,7 +2137,7 @@
           <a:p>
             <a:fld id="{DB10E5C9-23B2-4A4E-92AB-29D98A655667}" type="datetimeFigureOut">
               <a:rPr lang="en-US" smtClean="0"/>
-              <a:t>9/10/18</a:t>
+              <a:t>9/11/18</a:t>
             </a:fld>
             <a:endParaRPr lang="en-US"/>
           </a:p>
@@ -2255,7 +2255,7 @@
           <a:p>
             <a:fld id="{DB10E5C9-23B2-4A4E-92AB-29D98A655667}" type="datetimeFigureOut">
               <a:rPr lang="en-US" smtClean="0"/>
-              <a:t>9/10/18</a:t>
+              <a:t>9/11/18</a:t>
             </a:fld>
             <a:endParaRPr lang="en-US"/>
           </a:p>
@@ -2350,7 +2350,7 @@
           <a:p>
             <a:fld id="{DB10E5C9-23B2-4A4E-92AB-29D98A655667}" type="datetimeFigureOut">
               <a:rPr lang="en-US" smtClean="0"/>
-              <a:t>9/10/18</a:t>
+              <a:t>9/11/18</a:t>
             </a:fld>
             <a:endParaRPr lang="en-US"/>
           </a:p>
@@ -2696,7 +2696,7 @@
           <a:p>
             <a:fld id="{DB10E5C9-23B2-4A4E-92AB-29D98A655667}" type="datetimeFigureOut">
               <a:rPr lang="en-US" smtClean="0"/>
-              <a:t>9/10/18</a:t>
+              <a:t>9/11/18</a:t>
             </a:fld>
             <a:endParaRPr lang="en-US"/>
           </a:p>
@@ -3084,7 +3084,7 @@
           <a:p>
             <a:fld id="{DB10E5C9-23B2-4A4E-92AB-29D98A655667}" type="datetimeFigureOut">
               <a:rPr lang="en-US" smtClean="0"/>
-              <a:t>9/10/18</a:t>
+              <a:t>9/11/18</a:t>
             </a:fld>
             <a:endParaRPr lang="en-US"/>
           </a:p>
@@ -3362,7 +3362,7 @@
           <a:p>
             <a:fld id="{DB10E5C9-23B2-4A4E-92AB-29D98A655667}" type="datetimeFigureOut">
               <a:rPr lang="en-US" smtClean="0"/>
-              <a:t>9/10/18</a:t>
+              <a:t>9/11/18</a:t>
             </a:fld>
             <a:endParaRPr lang="en-US"/>
           </a:p>
@@ -7049,7 +7049,23 @@
             </a:r>
             <a:r>
               <a:rPr lang="en-US" dirty="0"/>
-              <a:t> (with or without the aid of ggplot2) to create three (3) different kinds of figures and one (1) data table. Include at least three (3) types of inputs. On the server side your plots and tables must utilize the reactive function for any and all datasets.</a:t>
+              <a:t> (with or without the aid of ggplot2) to create three (3) different kinds of figures and one (1) data table. Include at least three (3) types of inputs, one (1) functioning </a:t>
+            </a:r>
+            <a:r>
+              <a:rPr lang="en-US" dirty="0" err="1"/>
+              <a:t>downloadButton</a:t>
+            </a:r>
+            <a:r>
+              <a:rPr lang="en-US" dirty="0"/>
+              <a:t>() and </a:t>
+            </a:r>
+            <a:r>
+              <a:rPr lang="en-US"/>
+              <a:t>one (1) observer </a:t>
+            </a:r>
+            <a:r>
+              <a:rPr lang="en-US" dirty="0"/>
+              <a:t>in the server. On the server side your plots and tables must utilize the reactive function for any and all datasets.</a:t>
             </a:r>
           </a:p>
           <a:p>

--- a/Class 5.pptx
+++ b/Class 5.pptx
@@ -309,7 +309,7 @@
           <a:p>
             <a:fld id="{DB10E5C9-23B2-4A4E-92AB-29D98A655667}" type="datetimeFigureOut">
               <a:rPr lang="en-US" smtClean="0"/>
-              <a:t>9/11/18</a:t>
+              <a:t>9/11/2018</a:t>
             </a:fld>
             <a:endParaRPr lang="en-US"/>
           </a:p>
@@ -639,7 +639,7 @@
           <a:p>
             <a:fld id="{DB10E5C9-23B2-4A4E-92AB-29D98A655667}" type="datetimeFigureOut">
               <a:rPr lang="en-US" smtClean="0"/>
-              <a:t>9/11/18</a:t>
+              <a:t>9/11/2018</a:t>
             </a:fld>
             <a:endParaRPr lang="en-US"/>
           </a:p>
@@ -819,7 +819,7 @@
           <a:p>
             <a:fld id="{DB10E5C9-23B2-4A4E-92AB-29D98A655667}" type="datetimeFigureOut">
               <a:rPr lang="en-US" smtClean="0"/>
-              <a:t>9/11/18</a:t>
+              <a:t>9/11/2018</a:t>
             </a:fld>
             <a:endParaRPr lang="en-US"/>
           </a:p>
@@ -989,7 +989,7 @@
           <a:p>
             <a:fld id="{DB10E5C9-23B2-4A4E-92AB-29D98A655667}" type="datetimeFigureOut">
               <a:rPr lang="en-US" smtClean="0"/>
-              <a:t>9/11/18</a:t>
+              <a:t>9/11/2018</a:t>
             </a:fld>
             <a:endParaRPr lang="en-US"/>
           </a:p>
@@ -1266,7 +1266,7 @@
           <a:p>
             <a:fld id="{DB10E5C9-23B2-4A4E-92AB-29D98A655667}" type="datetimeFigureOut">
               <a:rPr lang="en-US" smtClean="0"/>
-              <a:t>9/11/18</a:t>
+              <a:t>9/11/2018</a:t>
             </a:fld>
             <a:endParaRPr lang="en-US"/>
           </a:p>
@@ -1660,7 +1660,7 @@
           <a:p>
             <a:fld id="{DB10E5C9-23B2-4A4E-92AB-29D98A655667}" type="datetimeFigureOut">
               <a:rPr lang="en-US" smtClean="0"/>
-              <a:t>9/11/18</a:t>
+              <a:t>9/11/2018</a:t>
             </a:fld>
             <a:endParaRPr lang="en-US"/>
           </a:p>
@@ -2137,7 +2137,7 @@
           <a:p>
             <a:fld id="{DB10E5C9-23B2-4A4E-92AB-29D98A655667}" type="datetimeFigureOut">
               <a:rPr lang="en-US" smtClean="0"/>
-              <a:t>9/11/18</a:t>
+              <a:t>9/11/2018</a:t>
             </a:fld>
             <a:endParaRPr lang="en-US"/>
           </a:p>
@@ -2255,7 +2255,7 @@
           <a:p>
             <a:fld id="{DB10E5C9-23B2-4A4E-92AB-29D98A655667}" type="datetimeFigureOut">
               <a:rPr lang="en-US" smtClean="0"/>
-              <a:t>9/11/18</a:t>
+              <a:t>9/11/2018</a:t>
             </a:fld>
             <a:endParaRPr lang="en-US"/>
           </a:p>
@@ -2350,7 +2350,7 @@
           <a:p>
             <a:fld id="{DB10E5C9-23B2-4A4E-92AB-29D98A655667}" type="datetimeFigureOut">
               <a:rPr lang="en-US" smtClean="0"/>
-              <a:t>9/11/18</a:t>
+              <a:t>9/11/2018</a:t>
             </a:fld>
             <a:endParaRPr lang="en-US"/>
           </a:p>
@@ -2696,7 +2696,7 @@
           <a:p>
             <a:fld id="{DB10E5C9-23B2-4A4E-92AB-29D98A655667}" type="datetimeFigureOut">
               <a:rPr lang="en-US" smtClean="0"/>
-              <a:t>9/11/18</a:t>
+              <a:t>9/11/2018</a:t>
             </a:fld>
             <a:endParaRPr lang="en-US"/>
           </a:p>
@@ -3084,7 +3084,7 @@
           <a:p>
             <a:fld id="{DB10E5C9-23B2-4A4E-92AB-29D98A655667}" type="datetimeFigureOut">
               <a:rPr lang="en-US" smtClean="0"/>
-              <a:t>9/11/18</a:t>
+              <a:t>9/11/2018</a:t>
             </a:fld>
             <a:endParaRPr lang="en-US"/>
           </a:p>
@@ -3362,7 +3362,7 @@
           <a:p>
             <a:fld id="{DB10E5C9-23B2-4A4E-92AB-29D98A655667}" type="datetimeFigureOut">
               <a:rPr lang="en-US" smtClean="0"/>
-              <a:t>9/11/18</a:t>
+              <a:t>9/11/2018</a:t>
             </a:fld>
             <a:endParaRPr lang="en-US"/>
           </a:p>
@@ -5407,7 +5407,15 @@
           <a:p>
             <a:r>
               <a:rPr lang="en-US" dirty="0"/>
-              <a:t>By using the observer event we can like 3 action buttons (edit, cancel &amp; submit) together which all impact the UI or data in a similar way</a:t>
+              <a:t>By using the observer event we </a:t>
+            </a:r>
+            <a:r>
+              <a:rPr lang="en-US"/>
+              <a:t>can link </a:t>
+            </a:r>
+            <a:r>
+              <a:rPr lang="en-US" dirty="0"/>
+              <a:t>3 action buttons (edit, cancel &amp; submit) together which all impact the UI or data in a similar way</a:t>
             </a:r>
           </a:p>
         </p:txBody>
